--- a/ppt/6_container_security.pptx
+++ b/ppt/6_container_security.pptx
@@ -5,7 +5,7 @@
     <p:sldMasterId id="2147483660" r:id="rId1"/>
   </p:sldMasterIdLst>
   <p:notesMasterIdLst>
-    <p:notesMasterId r:id="rId9"/>
+    <p:notesMasterId r:id="rId10"/>
   </p:notesMasterIdLst>
   <p:sldIdLst>
     <p:sldId id="256" r:id="rId2"/>
@@ -15,6 +15,7 @@
     <p:sldId id="343" r:id="rId6"/>
     <p:sldId id="344" r:id="rId7"/>
     <p:sldId id="345" r:id="rId8"/>
+    <p:sldId id="346" r:id="rId9"/>
   </p:sldIdLst>
   <p:sldSz cx="12192000" cy="6858000"/>
   <p:notesSz cx="6858000" cy="9144000"/>
@@ -1085,6 +1086,114 @@
     <p:extLst>
       <p:ext uri="{BB962C8B-B14F-4D97-AF65-F5344CB8AC3E}">
         <p14:creationId xmlns:p14="http://schemas.microsoft.com/office/powerpoint/2010/main" val="745639484"/>
+      </p:ext>
+    </p:extLst>
+  </p:cSld>
+  <p:clrMapOvr>
+    <a:masterClrMapping/>
+  </p:clrMapOvr>
+</p:notes>
+</file>
+
+<file path=ppt/notesSlides/notesSlide7.xml><?xml version="1.0" encoding="utf-8"?>
+<p:notes xmlns:a="http://schemas.openxmlformats.org/drawingml/2006/main" xmlns:r="http://schemas.openxmlformats.org/officeDocument/2006/relationships" xmlns:p="http://schemas.openxmlformats.org/presentationml/2006/main">
+  <p:cSld>
+    <p:spTree>
+      <p:nvGrpSpPr>
+        <p:cNvPr id="1" name="">
+          <a:extLst>
+            <a:ext uri="{FF2B5EF4-FFF2-40B4-BE49-F238E27FC236}">
+              <a16:creationId xmlns:a16="http://schemas.microsoft.com/office/drawing/2014/main" id="{592846FE-E7A1-A7E7-B52D-152CA4D994ED}"/>
+            </a:ext>
+          </a:extLst>
+        </p:cNvPr>
+        <p:cNvGrpSpPr/>
+        <p:nvPr/>
+      </p:nvGrpSpPr>
+      <p:grpSpPr>
+        <a:xfrm>
+          <a:off x="0" y="0"/>
+          <a:ext cx="0" cy="0"/>
+          <a:chOff x="0" y="0"/>
+          <a:chExt cx="0" cy="0"/>
+        </a:xfrm>
+      </p:grpSpPr>
+      <p:sp>
+        <p:nvSpPr>
+          <p:cNvPr id="2" name="Marcador de imagen de diapositiva 1">
+            <a:extLst>
+              <a:ext uri="{FF2B5EF4-FFF2-40B4-BE49-F238E27FC236}">
+                <a16:creationId xmlns:a16="http://schemas.microsoft.com/office/drawing/2014/main" id="{A8822693-D4B8-22F7-9CB7-F6B65FA4CB32}"/>
+              </a:ext>
+            </a:extLst>
+          </p:cNvPr>
+          <p:cNvSpPr>
+            <a:spLocks noGrp="1" noRot="1" noChangeAspect="1"/>
+          </p:cNvSpPr>
+          <p:nvPr>
+            <p:ph type="sldImg"/>
+          </p:nvPr>
+        </p:nvSpPr>
+        <p:spPr/>
+      </p:sp>
+      <p:sp>
+        <p:nvSpPr>
+          <p:cNvPr id="3" name="Marcador de notas 2">
+            <a:extLst>
+              <a:ext uri="{FF2B5EF4-FFF2-40B4-BE49-F238E27FC236}">
+                <a16:creationId xmlns:a16="http://schemas.microsoft.com/office/drawing/2014/main" id="{753D6D0E-FBCE-0445-47E6-186A5A3971E7}"/>
+              </a:ext>
+            </a:extLst>
+          </p:cNvPr>
+          <p:cNvSpPr>
+            <a:spLocks noGrp="1"/>
+          </p:cNvSpPr>
+          <p:nvPr>
+            <p:ph type="body" idx="1"/>
+          </p:nvPr>
+        </p:nvSpPr>
+        <p:spPr/>
+        <p:txBody>
+          <a:bodyPr/>
+          <a:lstStyle/>
+          <a:p>
+            <a:endParaRPr lang="es-ES"/>
+          </a:p>
+        </p:txBody>
+      </p:sp>
+      <p:sp>
+        <p:nvSpPr>
+          <p:cNvPr id="4" name="Marcador de número de diapositiva 3">
+            <a:extLst>
+              <a:ext uri="{FF2B5EF4-FFF2-40B4-BE49-F238E27FC236}">
+                <a16:creationId xmlns:a16="http://schemas.microsoft.com/office/drawing/2014/main" id="{3529F515-FE55-7E58-D354-3E0F849AB9ED}"/>
+              </a:ext>
+            </a:extLst>
+          </p:cNvPr>
+          <p:cNvSpPr>
+            <a:spLocks noGrp="1"/>
+          </p:cNvSpPr>
+          <p:nvPr>
+            <p:ph type="sldNum" sz="quarter" idx="5"/>
+          </p:nvPr>
+        </p:nvSpPr>
+        <p:spPr/>
+        <p:txBody>
+          <a:bodyPr/>
+          <a:lstStyle/>
+          <a:p>
+            <a:fld id="{C7CC74AC-D9D8-5C48-AF58-5FA27CB3C481}" type="slidenum">
+              <a:rPr lang="es-ES" smtClean="0"/>
+              <a:t>8</a:t>
+            </a:fld>
+            <a:endParaRPr lang="es-ES"/>
+          </a:p>
+        </p:txBody>
+      </p:sp>
+    </p:spTree>
+    <p:extLst>
+      <p:ext uri="{BB962C8B-B14F-4D97-AF65-F5344CB8AC3E}">
+        <p14:creationId xmlns:p14="http://schemas.microsoft.com/office/powerpoint/2010/main" val="3261892705"/>
       </p:ext>
     </p:extLst>
   </p:cSld>
@@ -13777,7 +13886,7 @@
         <p:spPr>
           <a:xfrm>
             <a:off x="993912" y="937260"/>
-            <a:ext cx="10565628" cy="4832092"/>
+            <a:ext cx="10565628" cy="4401205"/>
           </a:xfrm>
           <a:prstGeom prst="rect">
             <a:avLst/>
@@ -13835,7 +13944,7 @@
             </a:pPr>
             <a:r>
               <a:rPr lang="es-ES" sz="2800" dirty="0"/>
-              <a:t>Establecer cuotas de recursos de contenedores</a:t>
+              <a:t>Establecer cuotas de recursos</a:t>
             </a:r>
           </a:p>
           <a:p>
@@ -13845,7 +13954,7 @@
             </a:pPr>
             <a:r>
               <a:rPr lang="es-ES" sz="2800" dirty="0"/>
-              <a:t>Asegurarse de que los procesos del contenedor se ejecutan como un usuario no </a:t>
+              <a:t>Ejecutar procesos como un usuario no </a:t>
             </a:r>
             <a:r>
               <a:rPr lang="es-ES" sz="2800" dirty="0" err="1"/>
@@ -13870,7 +13979,7 @@
             </a:pPr>
             <a:r>
               <a:rPr lang="es-ES" sz="2800" dirty="0"/>
-              <a:t>Utilizar el modo de sólo lectura del sistema de archivos</a:t>
+              <a:t>Utilizar RO del sistema de archivos</a:t>
             </a:r>
           </a:p>
           <a:p>
@@ -13940,7 +14049,7 @@
         <p:spPr>
           <a:xfrm>
             <a:off x="993912" y="224459"/>
-            <a:ext cx="9601200" cy="622852"/>
+            <a:ext cx="10394524" cy="622852"/>
           </a:xfrm>
         </p:spPr>
         <p:txBody>
@@ -13951,8 +14060,13 @@
           <a:p>
             <a:r>
               <a:rPr lang="es-ES" dirty="0"/>
-              <a:t>1. Utilizar imágenes mínimas y de confianza </a:t>
+              <a:t>3. </a:t>
             </a:r>
+            <a:r>
+              <a:rPr lang="es-ES" sz="4400" dirty="0"/>
+              <a:t>Eliminar capacidades al iniciar contenedores</a:t>
+            </a:r>
+            <a:endParaRPr lang="es-ES" dirty="0"/>
           </a:p>
         </p:txBody>
       </p:sp>
@@ -13971,7 +14085,7 @@
         <p:spPr>
           <a:xfrm>
             <a:off x="993912" y="1120676"/>
-            <a:ext cx="10394524" cy="3539430"/>
+            <a:ext cx="10394524" cy="4832092"/>
           </a:xfrm>
           <a:prstGeom prst="rect">
             <a:avLst/>
@@ -13990,31 +14104,23 @@
             </a:pPr>
             <a:r>
               <a:rPr lang="es-ES" sz="2800" dirty="0"/>
-              <a:t>Puedes encontrar estas imágenes filtrando mediante las opciones «Docker </a:t>
+              <a:t>El conjunto predeterminado de capacidades Linux es demasiado permisivo para producción: cambiar </a:t>
             </a:r>
             <a:r>
               <a:rPr lang="es-ES" sz="2800" dirty="0" err="1"/>
-              <a:t>Official</a:t>
+              <a:t>UIDs</a:t>
             </a:r>
             <a:r>
               <a:rPr lang="es-ES" sz="2800" dirty="0"/>
-              <a:t> </a:t>
+              <a:t> y </a:t>
             </a:r>
             <a:r>
               <a:rPr lang="es-ES" sz="2800" dirty="0" err="1"/>
-              <a:t>Image</a:t>
+              <a:t>GIDs</a:t>
             </a:r>
             <a:r>
               <a:rPr lang="es-ES" sz="2800" dirty="0"/>
-              <a:t>» y «</a:t>
-            </a:r>
-            <a:r>
-              <a:rPr lang="es-ES" sz="2800" dirty="0" err="1"/>
-              <a:t>Verified</a:t>
-            </a:r>
-            <a:r>
-              <a:rPr lang="es-ES" sz="2800" dirty="0"/>
-              <a:t> Publisher» en Docker Hub. </a:t>
+              <a:t> de archivos, matar procesos y eludir comprobaciones de permisos de lectura, escritura y ejecución de archivos. </a:t>
             </a:r>
           </a:p>
           <a:p>
@@ -14031,8 +14137,68 @@
             </a:pPr>
             <a:r>
               <a:rPr lang="es-ES" sz="2800" dirty="0"/>
-              <a:t>También es aconsejable utilizar imágenes mínimas (como las variantes basadas en Alpine) siempre que sea posible. Estas deberían contener menos paquetes, lo que reduce su superficie de ataque.</a:t>
+              <a:t>Las opciones --</a:t>
             </a:r>
+            <a:r>
+              <a:rPr lang="es-ES" sz="2800" dirty="0" err="1"/>
+              <a:t>cap-drop</a:t>
+            </a:r>
+            <a:r>
+              <a:rPr lang="es-ES" sz="2800" dirty="0"/>
+              <a:t> y --</a:t>
+            </a:r>
+            <a:r>
+              <a:rPr lang="es-ES" sz="2800" dirty="0" err="1"/>
+              <a:t>cap-add</a:t>
+            </a:r>
+            <a:r>
+              <a:rPr lang="es-ES" sz="2800" dirty="0"/>
+              <a:t> del comando docker run te permiten eliminarlas y otorgarlas. </a:t>
+            </a:r>
+          </a:p>
+          <a:p>
+            <a:pPr marL="457200" indent="-457200">
+              <a:buFont typeface="Arial" panose="020B0604020202020204" pitchFamily="34" charset="0"/>
+              <a:buChar char="•"/>
+            </a:pPr>
+            <a:endParaRPr lang="es-ES" sz="2800" dirty="0"/>
+          </a:p>
+          <a:p>
+            <a:r>
+              <a:rPr lang="es-ES" sz="2800" dirty="0"/>
+              <a:t>Ejemplo, elimina todas las capacidades y añade CHOWN:</a:t>
+            </a:r>
+            <a:br>
+              <a:rPr lang="es-ES" sz="2800" dirty="0"/>
+            </a:br>
+            <a:endParaRPr lang="es-ES" sz="2800" dirty="0"/>
+          </a:p>
+          <a:p>
+            <a:r>
+              <a:rPr lang="es-ES" sz="2800" dirty="0"/>
+              <a:t>$ docker run --</a:t>
+            </a:r>
+            <a:r>
+              <a:rPr lang="es-ES" sz="2800" dirty="0" err="1"/>
+              <a:t>cap-drop</a:t>
+            </a:r>
+            <a:r>
+              <a:rPr lang="es-ES" sz="2800" dirty="0"/>
+              <a:t>=ALL --</a:t>
+            </a:r>
+            <a:r>
+              <a:rPr lang="es-ES" sz="2800" dirty="0" err="1"/>
+              <a:t>cap-add</a:t>
+            </a:r>
+            <a:r>
+              <a:rPr lang="es-ES" sz="2800" dirty="0"/>
+              <a:t>=CHOWN </a:t>
+            </a:r>
+            <a:r>
+              <a:rPr lang="es-ES" sz="2800" dirty="0" err="1"/>
+              <a:t>image:tag</a:t>
+            </a:r>
+            <a:endParaRPr lang="es-ES" sz="2800" dirty="0"/>
           </a:p>
         </p:txBody>
       </p:sp>
@@ -14091,7 +14257,7 @@
         <p:spPr>
           <a:xfrm>
             <a:off x="993911" y="224459"/>
-            <a:ext cx="10394523" cy="622852"/>
+            <a:ext cx="10806203" cy="622852"/>
           </a:xfrm>
         </p:spPr>
         <p:txBody>
@@ -14102,11 +14268,11 @@
           <a:p>
             <a:r>
               <a:rPr lang="es-ES" dirty="0"/>
-              <a:t>2. </a:t>
+              <a:t>4. </a:t>
             </a:r>
             <a:r>
               <a:rPr lang="es-ES" sz="4400" dirty="0"/>
-              <a:t>Reconstruir regularmente las imágenes.</a:t>
+              <a:t>Establecer cuotas de recursos</a:t>
             </a:r>
             <a:endParaRPr lang="es-ES" dirty="0"/>
           </a:p>
@@ -14127,7 +14293,7 @@
         <p:spPr>
           <a:xfrm>
             <a:off x="993912" y="1120676"/>
-            <a:ext cx="10394524" cy="4401205"/>
+            <a:ext cx="10394524" cy="4832092"/>
           </a:xfrm>
           <a:prstGeom prst="rect">
             <a:avLst/>
@@ -14146,7 +14312,7 @@
             </a:pPr>
             <a:r>
               <a:rPr lang="es-ES" sz="2800" dirty="0"/>
-              <a:t>Reconstruye regularmente tus imágenes para asegurarte de que incluyen paquetes y dependencias actualizados. </a:t>
+              <a:t>Docker no aplica automáticamente ninguna restricción de recursos a tus contenedores. Los procesos en contenedores pueden usar CPU y memoria ilimitadas, lo que podría afectar a otras aplicaciones en su host.</a:t>
             </a:r>
           </a:p>
           <a:p>
@@ -14163,7 +14329,7 @@
             </a:pPr>
             <a:r>
               <a:rPr lang="es-ES" sz="2800" dirty="0"/>
-              <a:t>Las imágenes construidas son inmutables, por lo que las correcciones de errores de paquetes y los parches de seguridad publicados después de su construcción no llegarán a sus contenedores en ejecución.</a:t>
+              <a:t>Establecer límites para estos recursos ayuda a defenderse contra ataques de denegación de servicio (DoS).</a:t>
             </a:r>
           </a:p>
           <a:p>
@@ -14174,22 +14340,33 @@
             <a:endParaRPr lang="es-ES" sz="2800" dirty="0"/>
           </a:p>
           <a:p>
-            <a:pPr marL="457200" indent="-457200">
-              <a:buFont typeface="Arial" panose="020B0604020202020204" pitchFamily="34" charset="0"/>
-              <a:buChar char="•"/>
-            </a:pPr>
             <a:r>
               <a:rPr lang="es-ES" sz="2800" dirty="0"/>
-              <a:t>Puedes automatizar el proceso de sustitución de contenedores utilizando una herramienta como </a:t>
+              <a:t>Ejemplo, límite de memoria y CPU</a:t>
+            </a:r>
+            <a:br>
+              <a:rPr lang="es-ES" sz="2800" dirty="0"/>
+            </a:br>
+            <a:endParaRPr lang="es-ES" sz="2800" dirty="0"/>
+          </a:p>
+          <a:p>
+            <a:r>
+              <a:rPr lang="es-ES" sz="2800" dirty="0"/>
+              <a:t>$ docker run -m=128m --</a:t>
             </a:r>
             <a:r>
               <a:rPr lang="es-ES" sz="2800" dirty="0" err="1"/>
-              <a:t>Watchtower</a:t>
+              <a:t>cpus</a:t>
             </a:r>
             <a:r>
               <a:rPr lang="es-ES" sz="2800" dirty="0"/>
-              <a:t>.</a:t>
+              <a:t>=2  </a:t>
             </a:r>
+            <a:r>
+              <a:rPr lang="es-ES" sz="2800" dirty="0" err="1"/>
+              <a:t>imagen:tag</a:t>
+            </a:r>
+            <a:endParaRPr lang="es-ES" sz="2800" dirty="0"/>
           </a:p>
         </p:txBody>
       </p:sp>
@@ -14259,11 +14436,15 @@
           <a:p>
             <a:r>
               <a:rPr lang="es-ES" dirty="0"/>
-              <a:t>3. </a:t>
+              <a:t>5. </a:t>
             </a:r>
             <a:r>
               <a:rPr lang="es-ES" sz="4400" dirty="0"/>
-              <a:t>Utilizar escáneres de vulnerabilidad de imágenes</a:t>
+              <a:t>Ejecutar procesos como un usuario no </a:t>
+            </a:r>
+            <a:r>
+              <a:rPr lang="es-ES" sz="4400" dirty="0" err="1"/>
+              <a:t>root</a:t>
             </a:r>
             <a:endParaRPr lang="es-ES" dirty="0"/>
           </a:p>
@@ -14284,7 +14465,7 @@
         <p:spPr>
           <a:xfrm>
             <a:off x="993912" y="1120676"/>
-            <a:ext cx="10596406" cy="3108543"/>
+            <a:ext cx="10596406" cy="2677656"/>
           </a:xfrm>
           <a:prstGeom prst="rect">
             <a:avLst/>
@@ -14303,25 +14484,39 @@
             </a:pPr>
             <a:r>
               <a:rPr lang="es-ES" sz="2800" dirty="0"/>
-              <a:t>Las herramientas de exploración son capaces de identificar qué paquetes está utilizando, si contienen alguna vulnerabilidad y cómo puede solucionar el problema actualizando o eliminando el paquete.</a:t>
+              <a:t>Los contenedores se ejecutan por defecto como </a:t>
             </a:r>
-          </a:p>
-          <a:p>
-            <a:pPr marL="457200" indent="-457200">
-              <a:buFont typeface="Arial" panose="020B0604020202020204" pitchFamily="34" charset="0"/>
-              <a:buChar char="•"/>
-            </a:pPr>
-            <a:endParaRPr lang="es-ES" sz="2800" dirty="0"/>
-          </a:p>
-          <a:p>
-            <a:pPr marL="457200" indent="-457200">
-              <a:buFont typeface="Arial" panose="020B0604020202020204" pitchFamily="34" charset="0"/>
-              <a:buChar char="•"/>
-            </a:pPr>
+            <a:r>
+              <a:rPr lang="es-ES" sz="2800" dirty="0" err="1"/>
+              <a:t>root</a:t>
+            </a:r>
             <a:r>
               <a:rPr lang="es-ES" sz="2800" dirty="0"/>
-              <a:t>Es una buena idea incluir estos escaneos como trabajos en tu CI pipeline.</a:t>
+              <a:t>. Usa otro usuario para lanzar los procesos y minimizar el riesgo.</a:t>
             </a:r>
+          </a:p>
+          <a:p>
+            <a:endParaRPr lang="es-ES" sz="2800" dirty="0"/>
+          </a:p>
+          <a:p>
+            <a:r>
+              <a:rPr lang="es-ES" sz="2800" dirty="0"/>
+              <a:t>Ejemplo,</a:t>
+            </a:r>
+          </a:p>
+          <a:p>
+            <a:endParaRPr lang="es-ES" sz="2800" dirty="0"/>
+          </a:p>
+          <a:p>
+            <a:r>
+              <a:rPr lang="es-ES" sz="2800" dirty="0"/>
+              <a:t>$ docker run --user=1000 </a:t>
+            </a:r>
+            <a:r>
+              <a:rPr lang="es-ES" sz="2800" dirty="0" err="1"/>
+              <a:t>image:tag</a:t>
+            </a:r>
+            <a:endParaRPr lang="es-ES" sz="2800" dirty="0"/>
           </a:p>
         </p:txBody>
       </p:sp>
@@ -14391,19 +14586,11 @@
           <a:p>
             <a:r>
               <a:rPr lang="es-ES" dirty="0"/>
-              <a:t>4. </a:t>
+              <a:t>6. </a:t>
             </a:r>
             <a:r>
               <a:rPr lang="es-ES" sz="4400" dirty="0"/>
-              <a:t>Docker </a:t>
-            </a:r>
-            <a:r>
-              <a:rPr lang="es-ES" sz="4400" dirty="0" err="1"/>
-              <a:t>content</a:t>
-            </a:r>
-            <a:r>
-              <a:rPr lang="es-ES" sz="4400" dirty="0"/>
-              <a:t> trust </a:t>
+              <a:t>Evitar que los contenedores escalen privilegios</a:t>
             </a:r>
             <a:endParaRPr lang="es-ES" dirty="0"/>
           </a:p>
@@ -14424,7 +14611,7 @@
         <p:spPr>
           <a:xfrm>
             <a:off x="993912" y="1120676"/>
-            <a:ext cx="10964540" cy="4401205"/>
+            <a:ext cx="10964540" cy="5262979"/>
           </a:xfrm>
           <a:prstGeom prst="rect">
             <a:avLst/>
@@ -14443,8 +14630,47 @@
             </a:pPr>
             <a:r>
               <a:rPr lang="es-ES" sz="2800" dirty="0"/>
-              <a:t>Antes de iniciar un contenedor, debe asegurarse de que la imagen que está utilizando es auténtica. Un atacante podría haber subido un reemplazo malicioso a su registro o interceptado la descarga a su host.</a:t>
+              <a:t>Los contenedores normalmente pueden escalar sus privilegios llamando a los binarios </a:t>
             </a:r>
+            <a:r>
+              <a:rPr lang="es-ES" sz="2800" dirty="0" err="1"/>
+              <a:t>setuid</a:t>
+            </a:r>
+            <a:r>
+              <a:rPr lang="es-ES" sz="2800" dirty="0"/>
+              <a:t> y </a:t>
+            </a:r>
+            <a:r>
+              <a:rPr lang="es-ES" sz="2800" dirty="0" err="1"/>
+              <a:t>setgid</a:t>
+            </a:r>
+            <a:r>
+              <a:rPr lang="es-ES" sz="2800" dirty="0"/>
+              <a:t>. Esto es un riesgo de seguridad porque el proceso en contenedor puede usar </a:t>
+            </a:r>
+            <a:r>
+              <a:rPr lang="es-ES" sz="2800" dirty="0" err="1"/>
+              <a:t>setuid</a:t>
+            </a:r>
+            <a:r>
+              <a:rPr lang="es-ES" sz="2800" dirty="0"/>
+              <a:t> para convertirse en </a:t>
+            </a:r>
+            <a:r>
+              <a:rPr lang="es-ES" sz="2800" dirty="0" err="1"/>
+              <a:t>root</a:t>
+            </a:r>
+            <a:r>
+              <a:rPr lang="es-ES" sz="2800" dirty="0"/>
+              <a:t>.</a:t>
+            </a:r>
+          </a:p>
+          <a:p>
+            <a:pPr marL="457200" indent="-457200">
+              <a:buFont typeface="Arial" panose="020B0604020202020204" pitchFamily="34" charset="0"/>
+              <a:buChar char="•"/>
+            </a:pPr>
+            <a:endParaRPr lang="es-ES" sz="2800" dirty="0"/>
           </a:p>
           <a:p>
             <a:pPr marL="457200" indent="-457200">
@@ -14453,7 +14679,15 @@
             </a:pPr>
             <a:r>
               <a:rPr lang="es-ES" sz="2800" dirty="0"/>
-              <a:t>Docker Content Trust es un mecanismo para firmar y verificar imágenes. </a:t>
+              <a:t>Para prevenir esto, debes establecer la opción de seguridad no-new-</a:t>
+            </a:r>
+            <a:r>
+              <a:rPr lang="es-ES" sz="2800" dirty="0" err="1"/>
+              <a:t>privileges</a:t>
+            </a:r>
+            <a:r>
+              <a:rPr lang="es-ES" sz="2800" dirty="0"/>
+              <a:t> cuando inicies tus contenedores:</a:t>
             </a:r>
           </a:p>
           <a:p>
@@ -14461,10 +14695,47 @@
               <a:buFont typeface="Arial" panose="020B0604020202020204" pitchFamily="34" charset="0"/>
               <a:buChar char="•"/>
             </a:pPr>
+            <a:endParaRPr lang="es-ES" sz="2800" dirty="0"/>
+          </a:p>
+          <a:p>
             <a:r>
               <a:rPr lang="es-ES" sz="2800" dirty="0"/>
-              <a:t>Los creadores de imágenes pueden firmar sus imágenes para demostrar que son de su autoría; los consumidores que extraen imágenes pueden verificar la confianza comparando la firma pública de la imagen.</a:t>
+              <a:t>Ejemplo,</a:t>
             </a:r>
+            <a:br>
+              <a:rPr lang="es-ES" sz="2800" dirty="0"/>
+            </a:br>
+            <a:endParaRPr lang="es-ES" sz="2800" dirty="0"/>
+          </a:p>
+          <a:p>
+            <a:r>
+              <a:rPr lang="es-ES" sz="2800" dirty="0"/>
+              <a:t>$ docker run -security-</a:t>
+            </a:r>
+            <a:r>
+              <a:rPr lang="es-ES" sz="2800" dirty="0" err="1"/>
+              <a:t>opt</a:t>
+            </a:r>
+            <a:r>
+              <a:rPr lang="es-ES" sz="2800" dirty="0"/>
+              <a:t>=</a:t>
+            </a:r>
+            <a:r>
+              <a:rPr lang="es-ES" sz="2800" dirty="0" err="1"/>
+              <a:t>no-new-privileges:true</a:t>
+            </a:r>
+            <a:r>
+              <a:rPr lang="es-ES" sz="2800" dirty="0"/>
+              <a:t> </a:t>
+            </a:r>
+            <a:r>
+              <a:rPr lang="es-ES" sz="2800" dirty="0" err="1"/>
+              <a:t>imagen:tag</a:t>
+            </a:r>
+            <a:endParaRPr lang="es-ES" sz="2800" dirty="0"/>
+          </a:p>
+          <a:p>
+            <a:endParaRPr lang="es-ES" sz="2800" dirty="0"/>
           </a:p>
         </p:txBody>
       </p:sp>
@@ -14533,28 +14804,8 @@
           <a:lstStyle/>
           <a:p>
             <a:r>
-              <a:rPr lang="es-ES" dirty="0"/>
-              <a:t>5</a:t>
-            </a:r>
-            <a:r>
               <a:rPr lang="es-ES" sz="4400" dirty="0"/>
-              <a:t>. </a:t>
-            </a:r>
-            <a:r>
-              <a:rPr lang="es-ES" sz="4400" dirty="0" err="1"/>
-              <a:t>Lint</a:t>
-            </a:r>
-            <a:r>
-              <a:rPr lang="es-ES" sz="4400" dirty="0"/>
-              <a:t> </a:t>
-            </a:r>
-            <a:r>
-              <a:rPr lang="es-ES" sz="4400" dirty="0" err="1"/>
-              <a:t>Dockerfiles</a:t>
-            </a:r>
-            <a:r>
-              <a:rPr lang="es-ES" sz="4400" dirty="0"/>
-              <a:t> </a:t>
+              <a:t>7. Utilizar RO del sistema de archivos</a:t>
             </a:r>
           </a:p>
         </p:txBody>
@@ -14574,7 +14825,7 @@
         <p:spPr>
           <a:xfrm>
             <a:off x="993912" y="1120676"/>
-            <a:ext cx="10964540" cy="3108543"/>
+            <a:ext cx="10964540" cy="4401205"/>
           </a:xfrm>
           <a:prstGeom prst="rect">
             <a:avLst/>
@@ -14593,23 +14844,8 @@
             </a:pPr>
             <a:r>
               <a:rPr lang="es-ES" sz="2800" dirty="0"/>
-              <a:t>Los comprobadores de código como </a:t>
+              <a:t>Si el contenedor no necesita escribir en el sistema de ficheros, activa el modo de sólo lectura para evitar modificaciones en el sistema de archivos, excepto en las ubicaciones de montaje de volumen designadas. </a:t>
             </a:r>
-            <a:r>
-              <a:rPr lang="es-ES" sz="2800" dirty="0" err="1"/>
-              <a:t>Hadolint</a:t>
-            </a:r>
-            <a:r>
-              <a:rPr lang="es-ES" sz="2800" dirty="0"/>
-              <a:t> comprueban las instrucciones de tu Dockerfile y señalan cualquier problema que contravenga las mejores prácticas.</a:t>
-            </a:r>
-          </a:p>
-          <a:p>
-            <a:pPr marL="457200" indent="-457200">
-              <a:buFont typeface="Arial" panose="020B0604020202020204" pitchFamily="34" charset="0"/>
-              <a:buChar char="•"/>
-            </a:pPr>
-            <a:endParaRPr lang="es-ES" sz="2800" dirty="0"/>
           </a:p>
           <a:p>
             <a:pPr marL="457200" indent="-457200">
@@ -14618,8 +14854,40 @@
             </a:pPr>
             <a:r>
               <a:rPr lang="es-ES" sz="2800" dirty="0"/>
-              <a:t>Corregir los problemas detectados antes de compilar ayudará a garantizar que tus imágenes sean seguras y fiables. Este es otro proceso que puede incorporar a los procesos de CI.</a:t>
+              <a:t>Esto bloqueará a un intruso de hacer cambios maliciosos al contenido dentro del contenedor, como por ejemplo reemplazando binarios o archivos de configuración.</a:t>
             </a:r>
+          </a:p>
+          <a:p>
+            <a:pPr marL="457200" indent="-457200">
+              <a:buFont typeface="Arial" panose="020B0604020202020204" pitchFamily="34" charset="0"/>
+              <a:buChar char="•"/>
+            </a:pPr>
+            <a:endParaRPr lang="es-ES" sz="2800" dirty="0"/>
+          </a:p>
+          <a:p>
+            <a:r>
+              <a:rPr lang="es-ES" sz="2800" dirty="0"/>
+              <a:t>Ejemplo,</a:t>
+            </a:r>
+          </a:p>
+          <a:p>
+            <a:r>
+              <a:rPr lang="es-ES" sz="2800" dirty="0"/>
+              <a:t>$ docker run --</a:t>
+            </a:r>
+            <a:r>
+              <a:rPr lang="es-ES" sz="2800" dirty="0" err="1"/>
+              <a:t>read-only</a:t>
+            </a:r>
+            <a:r>
+              <a:rPr lang="es-ES" sz="2800" dirty="0"/>
+              <a:t> </a:t>
+            </a:r>
+            <a:r>
+              <a:rPr lang="es-ES" sz="2800" dirty="0" err="1"/>
+              <a:t>imagen:tag</a:t>
+            </a:r>
+            <a:endParaRPr lang="es-ES" sz="2800" dirty="0"/>
           </a:p>
         </p:txBody>
       </p:sp>
@@ -14627,6 +14895,130 @@
     <p:extLst>
       <p:ext uri="{BB962C8B-B14F-4D97-AF65-F5344CB8AC3E}">
         <p14:creationId xmlns:p14="http://schemas.microsoft.com/office/powerpoint/2010/main" val="2663007971"/>
+      </p:ext>
+    </p:extLst>
+  </p:cSld>
+  <p:clrMapOvr>
+    <a:masterClrMapping/>
+  </p:clrMapOvr>
+</p:sld>
+</file>
+
+<file path=ppt/slides/slide8.xml><?xml version="1.0" encoding="utf-8"?>
+<p:sld xmlns:a="http://schemas.openxmlformats.org/drawingml/2006/main" xmlns:r="http://schemas.openxmlformats.org/officeDocument/2006/relationships" xmlns:p="http://schemas.openxmlformats.org/presentationml/2006/main">
+  <p:cSld>
+    <p:spTree>
+      <p:nvGrpSpPr>
+        <p:cNvPr id="1" name="">
+          <a:extLst>
+            <a:ext uri="{FF2B5EF4-FFF2-40B4-BE49-F238E27FC236}">
+              <a16:creationId xmlns:a16="http://schemas.microsoft.com/office/drawing/2014/main" id="{72D2F95A-3E8F-DEF1-24BF-FF07A7408D31}"/>
+            </a:ext>
+          </a:extLst>
+        </p:cNvPr>
+        <p:cNvGrpSpPr/>
+        <p:nvPr/>
+      </p:nvGrpSpPr>
+      <p:grpSpPr>
+        <a:xfrm>
+          <a:off x="0" y="0"/>
+          <a:ext cx="0" cy="0"/>
+          <a:chOff x="0" y="0"/>
+          <a:chExt cx="0" cy="0"/>
+        </a:xfrm>
+      </p:grpSpPr>
+      <p:sp>
+        <p:nvSpPr>
+          <p:cNvPr id="2" name="Título 1">
+            <a:extLst>
+              <a:ext uri="{FF2B5EF4-FFF2-40B4-BE49-F238E27FC236}">
+                <a16:creationId xmlns:a16="http://schemas.microsoft.com/office/drawing/2014/main" id="{C3B4F1F7-0C83-FA21-DBEB-BC4CB3947E49}"/>
+              </a:ext>
+            </a:extLst>
+          </p:cNvPr>
+          <p:cNvSpPr>
+            <a:spLocks noGrp="1"/>
+          </p:cNvSpPr>
+          <p:nvPr>
+            <p:ph type="title"/>
+          </p:nvPr>
+        </p:nvSpPr>
+        <p:spPr>
+          <a:xfrm>
+            <a:off x="993911" y="224459"/>
+            <a:ext cx="11095170" cy="622852"/>
+          </a:xfrm>
+        </p:spPr>
+        <p:txBody>
+          <a:bodyPr>
+            <a:normAutofit fontScale="90000"/>
+          </a:bodyPr>
+          <a:lstStyle/>
+          <a:p>
+            <a:r>
+              <a:rPr lang="es-ES" dirty="0"/>
+              <a:t>8</a:t>
+            </a:r>
+            <a:r>
+              <a:rPr lang="es-ES" sz="4400" dirty="0"/>
+              <a:t>. Utilizar un gestor de secretos dedicado</a:t>
+            </a:r>
+          </a:p>
+        </p:txBody>
+      </p:sp>
+      <p:sp>
+        <p:nvSpPr>
+          <p:cNvPr id="3" name="CuadroTexto 2">
+            <a:extLst>
+              <a:ext uri="{FF2B5EF4-FFF2-40B4-BE49-F238E27FC236}">
+                <a16:creationId xmlns:a16="http://schemas.microsoft.com/office/drawing/2014/main" id="{EF549526-27ED-0B8C-A1B5-36F2CDEF0132}"/>
+              </a:ext>
+            </a:extLst>
+          </p:cNvPr>
+          <p:cNvSpPr txBox="1"/>
+          <p:nvPr/>
+        </p:nvSpPr>
+        <p:spPr>
+          <a:xfrm>
+            <a:off x="993912" y="1120676"/>
+            <a:ext cx="10964540" cy="2246769"/>
+          </a:xfrm>
+          <a:prstGeom prst="rect">
+            <a:avLst/>
+          </a:prstGeom>
+          <a:noFill/>
+        </p:spPr>
+        <p:txBody>
+          <a:bodyPr wrap="square" rtlCol="0">
+            <a:spAutoFit/>
+          </a:bodyPr>
+          <a:lstStyle/>
+          <a:p>
+            <a:pPr marL="457200" indent="-457200">
+              <a:buFont typeface="Arial" panose="020B0604020202020204" pitchFamily="34" charset="0"/>
+              <a:buChar char="•"/>
+            </a:pPr>
+            <a:r>
+              <a:rPr lang="es-ES" sz="2800" dirty="0"/>
+              <a:t>Los datos confidenciales requeridos por sus contenedores, como claves API, tokens y certificados, deben almacenarse en una solución de gestión de secretos dedicada. </a:t>
+            </a:r>
+          </a:p>
+          <a:p>
+            <a:pPr marL="457200" indent="-457200">
+              <a:buFont typeface="Arial" panose="020B0604020202020204" pitchFamily="34" charset="0"/>
+              <a:buChar char="•"/>
+            </a:pPr>
+            <a:r>
+              <a:rPr lang="es-ES" sz="2800" dirty="0"/>
+              <a:t>Esto reduce el riesgo de exposición accidental que surge cuando se utilizan variables de entorno o archivos de configuración normales.</a:t>
+            </a:r>
+          </a:p>
+        </p:txBody>
+      </p:sp>
+    </p:spTree>
+    <p:extLst>
+      <p:ext uri="{BB962C8B-B14F-4D97-AF65-F5344CB8AC3E}">
+        <p14:creationId xmlns:p14="http://schemas.microsoft.com/office/powerpoint/2010/main" val="4278433322"/>
       </p:ext>
     </p:extLst>
   </p:cSld>

--- a/ppt/6_container_security.pptx
+++ b/ppt/6_container_security.pptx
@@ -5,17 +5,18 @@
     <p:sldMasterId id="2147483660" r:id="rId1"/>
   </p:sldMasterIdLst>
   <p:notesMasterIdLst>
-    <p:notesMasterId r:id="rId10"/>
+    <p:notesMasterId r:id="rId11"/>
   </p:notesMasterIdLst>
   <p:sldIdLst>
     <p:sldId id="256" r:id="rId2"/>
     <p:sldId id="325" r:id="rId3"/>
-    <p:sldId id="341" r:id="rId4"/>
-    <p:sldId id="342" r:id="rId5"/>
-    <p:sldId id="343" r:id="rId6"/>
-    <p:sldId id="344" r:id="rId7"/>
-    <p:sldId id="345" r:id="rId8"/>
-    <p:sldId id="346" r:id="rId9"/>
+    <p:sldId id="347" r:id="rId4"/>
+    <p:sldId id="341" r:id="rId5"/>
+    <p:sldId id="342" r:id="rId6"/>
+    <p:sldId id="343" r:id="rId7"/>
+    <p:sldId id="344" r:id="rId8"/>
+    <p:sldId id="345" r:id="rId9"/>
+    <p:sldId id="346" r:id="rId10"/>
   </p:sldIdLst>
   <p:sldSz cx="12192000" cy="6858000"/>
   <p:notesSz cx="6858000" cy="9144000"/>
@@ -204,7 +205,7 @@
           <a:p>
             <a:fld id="{E41020DF-27A1-324C-A223-BEC5FC28B703}" type="datetimeFigureOut">
               <a:rPr lang="es-ES" smtClean="0"/>
-              <a:t>31/3/25</a:t>
+              <a:t>15/4/25</a:t>
             </a:fld>
             <a:endParaRPr lang="es-ES"/>
           </a:p>
@@ -563,6 +564,114 @@
         <p:cNvPr id="1" name="">
           <a:extLst>
             <a:ext uri="{FF2B5EF4-FFF2-40B4-BE49-F238E27FC236}">
+              <a16:creationId xmlns:a16="http://schemas.microsoft.com/office/drawing/2014/main" id="{DB295BBC-2B28-7E6D-6D6D-165CC2F09820}"/>
+            </a:ext>
+          </a:extLst>
+        </p:cNvPr>
+        <p:cNvGrpSpPr/>
+        <p:nvPr/>
+      </p:nvGrpSpPr>
+      <p:grpSpPr>
+        <a:xfrm>
+          <a:off x="0" y="0"/>
+          <a:ext cx="0" cy="0"/>
+          <a:chOff x="0" y="0"/>
+          <a:chExt cx="0" cy="0"/>
+        </a:xfrm>
+      </p:grpSpPr>
+      <p:sp>
+        <p:nvSpPr>
+          <p:cNvPr id="2" name="Marcador de imagen de diapositiva 1">
+            <a:extLst>
+              <a:ext uri="{FF2B5EF4-FFF2-40B4-BE49-F238E27FC236}">
+                <a16:creationId xmlns:a16="http://schemas.microsoft.com/office/drawing/2014/main" id="{E13EBE81-2B18-EA04-A136-5B8219297027}"/>
+              </a:ext>
+            </a:extLst>
+          </p:cNvPr>
+          <p:cNvSpPr>
+            <a:spLocks noGrp="1" noRot="1" noChangeAspect="1"/>
+          </p:cNvSpPr>
+          <p:nvPr>
+            <p:ph type="sldImg"/>
+          </p:nvPr>
+        </p:nvSpPr>
+        <p:spPr/>
+      </p:sp>
+      <p:sp>
+        <p:nvSpPr>
+          <p:cNvPr id="3" name="Marcador de notas 2">
+            <a:extLst>
+              <a:ext uri="{FF2B5EF4-FFF2-40B4-BE49-F238E27FC236}">
+                <a16:creationId xmlns:a16="http://schemas.microsoft.com/office/drawing/2014/main" id="{2C65B469-EA95-4E34-A2C6-C176C1937684}"/>
+              </a:ext>
+            </a:extLst>
+          </p:cNvPr>
+          <p:cNvSpPr>
+            <a:spLocks noGrp="1"/>
+          </p:cNvSpPr>
+          <p:nvPr>
+            <p:ph type="body" idx="1"/>
+          </p:nvPr>
+        </p:nvSpPr>
+        <p:spPr/>
+        <p:txBody>
+          <a:bodyPr/>
+          <a:lstStyle/>
+          <a:p>
+            <a:endParaRPr lang="es-ES"/>
+          </a:p>
+        </p:txBody>
+      </p:sp>
+      <p:sp>
+        <p:nvSpPr>
+          <p:cNvPr id="4" name="Marcador de número de diapositiva 3">
+            <a:extLst>
+              <a:ext uri="{FF2B5EF4-FFF2-40B4-BE49-F238E27FC236}">
+                <a16:creationId xmlns:a16="http://schemas.microsoft.com/office/drawing/2014/main" id="{D8D49126-8578-2382-2E1B-15FCF711CBC6}"/>
+              </a:ext>
+            </a:extLst>
+          </p:cNvPr>
+          <p:cNvSpPr>
+            <a:spLocks noGrp="1"/>
+          </p:cNvSpPr>
+          <p:nvPr>
+            <p:ph type="sldNum" sz="quarter" idx="5"/>
+          </p:nvPr>
+        </p:nvSpPr>
+        <p:spPr/>
+        <p:txBody>
+          <a:bodyPr/>
+          <a:lstStyle/>
+          <a:p>
+            <a:fld id="{C7CC74AC-D9D8-5C48-AF58-5FA27CB3C481}" type="slidenum">
+              <a:rPr lang="es-ES" smtClean="0"/>
+              <a:t>3</a:t>
+            </a:fld>
+            <a:endParaRPr lang="es-ES"/>
+          </a:p>
+        </p:txBody>
+      </p:sp>
+    </p:spTree>
+    <p:extLst>
+      <p:ext uri="{BB962C8B-B14F-4D97-AF65-F5344CB8AC3E}">
+        <p14:creationId xmlns:p14="http://schemas.microsoft.com/office/powerpoint/2010/main" val="651715852"/>
+      </p:ext>
+    </p:extLst>
+  </p:cSld>
+  <p:clrMapOvr>
+    <a:masterClrMapping/>
+  </p:clrMapOvr>
+</p:notes>
+</file>
+
+<file path=ppt/notesSlides/notesSlide3.xml><?xml version="1.0" encoding="utf-8"?>
+<p:notes xmlns:a="http://schemas.openxmlformats.org/drawingml/2006/main" xmlns:r="http://schemas.openxmlformats.org/officeDocument/2006/relationships" xmlns:p="http://schemas.openxmlformats.org/presentationml/2006/main">
+  <p:cSld>
+    <p:spTree>
+      <p:nvGrpSpPr>
+        <p:cNvPr id="1" name="">
+          <a:extLst>
+            <a:ext uri="{FF2B5EF4-FFF2-40B4-BE49-F238E27FC236}">
               <a16:creationId xmlns:a16="http://schemas.microsoft.com/office/drawing/2014/main" id="{29BAC16E-1F7E-9E2E-13F0-5D527EBD3BC4}"/>
             </a:ext>
           </a:extLst>
@@ -644,7 +753,7 @@
           <a:p>
             <a:fld id="{C7CC74AC-D9D8-5C48-AF58-5FA27CB3C481}" type="slidenum">
               <a:rPr lang="es-ES" smtClean="0"/>
-              <a:t>3</a:t>
+              <a:t>4</a:t>
             </a:fld>
             <a:endParaRPr lang="es-ES"/>
           </a:p>
@@ -663,7 +772,7 @@
 </p:notes>
 </file>
 
-<file path=ppt/notesSlides/notesSlide3.xml><?xml version="1.0" encoding="utf-8"?>
+<file path=ppt/notesSlides/notesSlide4.xml><?xml version="1.0" encoding="utf-8"?>
 <p:notes xmlns:a="http://schemas.openxmlformats.org/drawingml/2006/main" xmlns:r="http://schemas.openxmlformats.org/officeDocument/2006/relationships" xmlns:p="http://schemas.openxmlformats.org/presentationml/2006/main">
   <p:cSld>
     <p:spTree>
@@ -752,7 +861,7 @@
           <a:p>
             <a:fld id="{C7CC74AC-D9D8-5C48-AF58-5FA27CB3C481}" type="slidenum">
               <a:rPr lang="es-ES" smtClean="0"/>
-              <a:t>4</a:t>
+              <a:t>5</a:t>
             </a:fld>
             <a:endParaRPr lang="es-ES"/>
           </a:p>
@@ -771,7 +880,7 @@
 </p:notes>
 </file>
 
-<file path=ppt/notesSlides/notesSlide4.xml><?xml version="1.0" encoding="utf-8"?>
+<file path=ppt/notesSlides/notesSlide5.xml><?xml version="1.0" encoding="utf-8"?>
 <p:notes xmlns:a="http://schemas.openxmlformats.org/drawingml/2006/main" xmlns:r="http://schemas.openxmlformats.org/officeDocument/2006/relationships" xmlns:p="http://schemas.openxmlformats.org/presentationml/2006/main">
   <p:cSld>
     <p:spTree>
@@ -860,7 +969,7 @@
           <a:p>
             <a:fld id="{C7CC74AC-D9D8-5C48-AF58-5FA27CB3C481}" type="slidenum">
               <a:rPr lang="es-ES" smtClean="0"/>
-              <a:t>5</a:t>
+              <a:t>6</a:t>
             </a:fld>
             <a:endParaRPr lang="es-ES"/>
           </a:p>
@@ -879,7 +988,7 @@
 </p:notes>
 </file>
 
-<file path=ppt/notesSlides/notesSlide5.xml><?xml version="1.0" encoding="utf-8"?>
+<file path=ppt/notesSlides/notesSlide6.xml><?xml version="1.0" encoding="utf-8"?>
 <p:notes xmlns:a="http://schemas.openxmlformats.org/drawingml/2006/main" xmlns:r="http://schemas.openxmlformats.org/officeDocument/2006/relationships" xmlns:p="http://schemas.openxmlformats.org/presentationml/2006/main">
   <p:cSld>
     <p:spTree>
@@ -968,7 +1077,7 @@
           <a:p>
             <a:fld id="{C7CC74AC-D9D8-5C48-AF58-5FA27CB3C481}" type="slidenum">
               <a:rPr lang="es-ES" smtClean="0"/>
-              <a:t>6</a:t>
+              <a:t>7</a:t>
             </a:fld>
             <a:endParaRPr lang="es-ES"/>
           </a:p>
@@ -987,7 +1096,7 @@
 </p:notes>
 </file>
 
-<file path=ppt/notesSlides/notesSlide6.xml><?xml version="1.0" encoding="utf-8"?>
+<file path=ppt/notesSlides/notesSlide7.xml><?xml version="1.0" encoding="utf-8"?>
 <p:notes xmlns:a="http://schemas.openxmlformats.org/drawingml/2006/main" xmlns:r="http://schemas.openxmlformats.org/officeDocument/2006/relationships" xmlns:p="http://schemas.openxmlformats.org/presentationml/2006/main">
   <p:cSld>
     <p:spTree>
@@ -1076,7 +1185,7 @@
           <a:p>
             <a:fld id="{C7CC74AC-D9D8-5C48-AF58-5FA27CB3C481}" type="slidenum">
               <a:rPr lang="es-ES" smtClean="0"/>
-              <a:t>7</a:t>
+              <a:t>8</a:t>
             </a:fld>
             <a:endParaRPr lang="es-ES"/>
           </a:p>
@@ -1095,7 +1204,7 @@
 </p:notes>
 </file>
 
-<file path=ppt/notesSlides/notesSlide7.xml><?xml version="1.0" encoding="utf-8"?>
+<file path=ppt/notesSlides/notesSlide8.xml><?xml version="1.0" encoding="utf-8"?>
 <p:notes xmlns:a="http://schemas.openxmlformats.org/drawingml/2006/main" xmlns:r="http://schemas.openxmlformats.org/officeDocument/2006/relationships" xmlns:p="http://schemas.openxmlformats.org/presentationml/2006/main">
   <p:cSld>
     <p:spTree>
@@ -1184,7 +1293,7 @@
           <a:p>
             <a:fld id="{C7CC74AC-D9D8-5C48-AF58-5FA27CB3C481}" type="slidenum">
               <a:rPr lang="es-ES" smtClean="0"/>
-              <a:t>8</a:t>
+              <a:t>9</a:t>
             </a:fld>
             <a:endParaRPr lang="es-ES"/>
           </a:p>
@@ -1351,7 +1460,7 @@
             <a:fld id="{87DE6118-2437-4B30-8E3C-4D2BE6020583}" type="datetimeFigureOut">
               <a:rPr lang="en-US" smtClean="0"/>
               <a:pPr/>
-              <a:t>3/31/25</a:t>
+              <a:t>4/15/25</a:t>
             </a:fld>
             <a:endParaRPr lang="en-US" dirty="0"/>
           </a:p>
@@ -1550,7 +1659,7 @@
           <a:p>
             <a:fld id="{87DE6118-2437-4B30-8E3C-4D2BE6020583}" type="datetimeFigureOut">
               <a:rPr lang="en-US" smtClean="0"/>
-              <a:t>3/31/25</a:t>
+              <a:t>4/15/25</a:t>
             </a:fld>
             <a:endParaRPr lang="en-US" dirty="0"/>
           </a:p>
@@ -1758,7 +1867,7 @@
           <a:p>
             <a:fld id="{87DE6118-2437-4B30-8E3C-4D2BE6020583}" type="datetimeFigureOut">
               <a:rPr lang="en-US" smtClean="0"/>
-              <a:t>3/31/25</a:t>
+              <a:t>4/15/25</a:t>
             </a:fld>
             <a:endParaRPr lang="en-US" dirty="0"/>
           </a:p>
@@ -1956,7 +2065,7 @@
           <a:p>
             <a:fld id="{87DE6118-2437-4B30-8E3C-4D2BE6020583}" type="datetimeFigureOut">
               <a:rPr lang="en-US" smtClean="0"/>
-              <a:t>3/31/25</a:t>
+              <a:t>4/15/25</a:t>
             </a:fld>
             <a:endParaRPr lang="en-US" dirty="0"/>
           </a:p>
@@ -2232,7 +2341,7 @@
             <a:fld id="{87DE6118-2437-4B30-8E3C-4D2BE6020583}" type="datetimeFigureOut">
               <a:rPr lang="en-US" smtClean="0"/>
               <a:pPr/>
-              <a:t>3/31/25</a:t>
+              <a:t>4/15/25</a:t>
             </a:fld>
             <a:endParaRPr lang="en-US" dirty="0"/>
           </a:p>
@@ -2498,7 +2607,7 @@
           <a:p>
             <a:fld id="{87DE6118-2437-4B30-8E3C-4D2BE6020583}" type="datetimeFigureOut">
               <a:rPr lang="en-US" smtClean="0"/>
-              <a:t>3/31/25</a:t>
+              <a:t>4/15/25</a:t>
             </a:fld>
             <a:endParaRPr lang="en-US" dirty="0"/>
           </a:p>
@@ -2910,7 +3019,7 @@
           <a:p>
             <a:fld id="{87DE6118-2437-4B30-8E3C-4D2BE6020583}" type="datetimeFigureOut">
               <a:rPr lang="en-US" smtClean="0"/>
-              <a:t>3/31/25</a:t>
+              <a:t>4/15/25</a:t>
             </a:fld>
             <a:endParaRPr lang="en-US" dirty="0"/>
           </a:p>
@@ -3051,7 +3160,7 @@
           <a:p>
             <a:fld id="{87DE6118-2437-4B30-8E3C-4D2BE6020583}" type="datetimeFigureOut">
               <a:rPr lang="en-US" smtClean="0"/>
-              <a:t>3/31/25</a:t>
+              <a:t>4/15/25</a:t>
             </a:fld>
             <a:endParaRPr lang="en-US" dirty="0"/>
           </a:p>
@@ -3164,7 +3273,7 @@
           <a:p>
             <a:fld id="{87DE6118-2437-4B30-8E3C-4D2BE6020583}" type="datetimeFigureOut">
               <a:rPr lang="en-US" smtClean="0"/>
-              <a:t>3/31/25</a:t>
+              <a:t>4/15/25</a:t>
             </a:fld>
             <a:endParaRPr lang="en-US" dirty="0"/>
           </a:p>
@@ -3476,7 +3585,7 @@
             <a:fld id="{87DE6118-2437-4B30-8E3C-4D2BE6020583}" type="datetimeFigureOut">
               <a:rPr lang="en-US" smtClean="0"/>
               <a:pPr/>
-              <a:t>3/31/25</a:t>
+              <a:t>4/15/25</a:t>
             </a:fld>
             <a:endParaRPr lang="en-US" dirty="0"/>
           </a:p>
@@ -3766,7 +3875,7 @@
             <a:fld id="{87DE6118-2437-4B30-8E3C-4D2BE6020583}" type="datetimeFigureOut">
               <a:rPr lang="en-US" smtClean="0"/>
               <a:pPr/>
-              <a:t>3/31/25</a:t>
+              <a:t>4/15/25</a:t>
             </a:fld>
             <a:endParaRPr lang="en-US" dirty="0"/>
           </a:p>
@@ -4009,7 +4118,7 @@
             <a:fld id="{87DE6118-2437-4B30-8E3C-4D2BE6020583}" type="datetimeFigureOut">
               <a:rPr lang="en-US" smtClean="0"/>
               <a:pPr/>
-              <a:t>3/31/25</a:t>
+              <a:t>4/15/25</a:t>
             </a:fld>
             <a:endParaRPr lang="en-US" dirty="0"/>
           </a:p>
@@ -13866,7 +13975,7 @@
           <a:p>
             <a:r>
               <a:rPr lang="es-ES" dirty="0"/>
-              <a:t>Docker Container Security</a:t>
+              <a:t>Recordamos </a:t>
             </a:r>
           </a:p>
         </p:txBody>
@@ -13886,7 +13995,7 @@
         <p:spPr>
           <a:xfrm>
             <a:off x="993912" y="937260"/>
-            <a:ext cx="10565628" cy="4401205"/>
+            <a:ext cx="10565628" cy="2862322"/>
           </a:xfrm>
           <a:prstGeom prst="rect">
             <a:avLst/>
@@ -13899,98 +14008,72 @@
           </a:bodyPr>
           <a:lstStyle/>
           <a:p>
-            <a:r>
-              <a:rPr lang="es-ES" sz="2800" dirty="0"/>
-              <a:t>Buenas prácticas:</a:t>
-            </a:r>
-          </a:p>
-          <a:p>
-            <a:endParaRPr lang="es-ES" sz="2800" dirty="0"/>
-          </a:p>
-          <a:p>
-            <a:pPr marL="514350" indent="-514350">
-              <a:buFont typeface="+mj-lt"/>
-              <a:buAutoNum type="arabicPeriod"/>
+            <a:pPr marL="457200" indent="-457200">
+              <a:buFont typeface="Arial" panose="020B0604020202020204" pitchFamily="34" charset="0"/>
+              <a:buChar char="•"/>
             </a:pPr>
             <a:r>
               <a:rPr lang="es-ES" sz="2800" dirty="0"/>
-              <a:t>No exponer puertos innecesarios</a:t>
+              <a:t>Docker Daemon Security. </a:t>
             </a:r>
-          </a:p>
-          <a:p>
-            <a:pPr marL="514350" indent="-514350">
-              <a:buFont typeface="+mj-lt"/>
-              <a:buAutoNum type="arabicPeriod"/>
+            <a:r>
+              <a:rPr lang="es-ES" sz="2000" dirty="0"/>
+              <a:t>(s.1-2)</a:t>
+            </a:r>
+            <a:br>
+              <a:rPr lang="es-ES" sz="2000" dirty="0"/>
+            </a:br>
+            <a:endParaRPr lang="es-ES" sz="2000" dirty="0"/>
+          </a:p>
+          <a:p>
+            <a:pPr marL="457200" indent="-457200">
+              <a:buFont typeface="Arial" panose="020B0604020202020204" pitchFamily="34" charset="0"/>
+              <a:buChar char="•"/>
             </a:pPr>
             <a:r>
               <a:rPr lang="es-ES" sz="2800" dirty="0"/>
-              <a:t>No iniciar contenedores en modo privilegiado</a:t>
+              <a:t>Docker </a:t>
             </a:r>
-          </a:p>
-          <a:p>
-            <a:pPr marL="514350" indent="-514350">
-              <a:buFont typeface="+mj-lt"/>
-              <a:buAutoNum type="arabicPeriod"/>
+            <a:r>
+              <a:rPr lang="es-ES" sz="2800" dirty="0" err="1"/>
+              <a:t>Image</a:t>
+            </a:r>
+            <a:r>
+              <a:rPr lang="es-ES" sz="2800" dirty="0"/>
+              <a:t> Security. </a:t>
+            </a:r>
+            <a:r>
+              <a:rPr lang="es-ES" sz="2000" dirty="0"/>
+              <a:t>(s. 3)</a:t>
+            </a:r>
+            <a:br>
+              <a:rPr lang="es-ES" sz="2000" dirty="0"/>
+            </a:br>
+            <a:endParaRPr lang="es-ES" sz="2000" dirty="0"/>
+          </a:p>
+          <a:p>
+            <a:pPr marL="457200" indent="-457200">
+              <a:buFont typeface="Arial" panose="020B0604020202020204" pitchFamily="34" charset="0"/>
+              <a:buChar char="•"/>
             </a:pPr>
             <a:r>
               <a:rPr lang="es-ES" sz="2800" dirty="0"/>
-              <a:t>Eliminar capacidades al iniciar contenedores</a:t>
-            </a:r>
-          </a:p>
-          <a:p>
-            <a:pPr marL="514350" indent="-514350">
-              <a:buFont typeface="+mj-lt"/>
-              <a:buAutoNum type="arabicPeriod"/>
-            </a:pPr>
-            <a:r>
-              <a:rPr lang="es-ES" sz="2800" dirty="0"/>
-              <a:t>Establecer cuotas de recursos</a:t>
-            </a:r>
-          </a:p>
-          <a:p>
-            <a:pPr marL="514350" indent="-514350">
-              <a:buFont typeface="+mj-lt"/>
-              <a:buAutoNum type="arabicPeriod"/>
-            </a:pPr>
-            <a:r>
-              <a:rPr lang="es-ES" sz="2800" dirty="0"/>
-              <a:t>Ejecutar procesos como un usuario no </a:t>
+              <a:t>Docker Container Security. </a:t>
             </a:r>
             <a:r>
-              <a:rPr lang="es-ES" sz="2800" dirty="0" err="1"/>
-              <a:t>root</a:t>
+              <a:rPr lang="es-ES" sz="2000" dirty="0"/>
+              <a:t>(s. 4)</a:t>
             </a:r>
+          </a:p>
+          <a:p>
+            <a:pPr marL="457200" indent="-457200">
+              <a:buFont typeface="Arial" panose="020B0604020202020204" pitchFamily="34" charset="0"/>
+              <a:buChar char="•"/>
+            </a:pPr>
             <a:endParaRPr lang="es-ES" sz="2800" dirty="0"/>
           </a:p>
           <a:p>
-            <a:pPr marL="514350" indent="-514350">
-              <a:buFont typeface="+mj-lt"/>
-              <a:buAutoNum type="arabicPeriod"/>
-            </a:pPr>
-            <a:r>
-              <a:rPr lang="es-ES" sz="2800" dirty="0"/>
-              <a:t>Evitar que los contenedores escalen privilegios</a:t>
-            </a:r>
-          </a:p>
-          <a:p>
-            <a:pPr marL="514350" indent="-514350">
-              <a:buFont typeface="+mj-lt"/>
-              <a:buAutoNum type="arabicPeriod"/>
-            </a:pPr>
-            <a:r>
-              <a:rPr lang="es-ES" sz="2800" dirty="0"/>
-              <a:t>Utilizar RO del sistema de archivos</a:t>
-            </a:r>
-          </a:p>
-          <a:p>
-            <a:pPr marL="514350" indent="-514350">
-              <a:buFont typeface="+mj-lt"/>
-              <a:buAutoNum type="arabicPeriod"/>
-            </a:pPr>
-            <a:r>
-              <a:rPr lang="es-ES" sz="2800" dirty="0"/>
-              <a:t>Utilizar un gestor de secretos dedicado</a:t>
-            </a:r>
+            <a:endParaRPr lang="es-ES" sz="2800" dirty="0"/>
           </a:p>
         </p:txBody>
       </p:sp>
@@ -14004,10 +14087,395 @@
   <p:clrMapOvr>
     <a:masterClrMapping/>
   </p:clrMapOvr>
+  <p:timing>
+    <p:tnLst>
+      <p:par>
+        <p:cTn id="1" dur="indefinite" restart="never" nodeType="tmRoot">
+          <p:childTnLst>
+            <p:seq concurrent="1" nextAc="seek">
+              <p:cTn id="2" dur="indefinite" nodeType="mainSeq">
+                <p:childTnLst>
+                  <p:par>
+                    <p:cTn id="3" fill="hold">
+                      <p:stCondLst>
+                        <p:cond delay="indefinite"/>
+                      </p:stCondLst>
+                      <p:childTnLst>
+                        <p:par>
+                          <p:cTn id="4" fill="hold">
+                            <p:stCondLst>
+                              <p:cond delay="0"/>
+                            </p:stCondLst>
+                            <p:childTnLst>
+                              <p:par>
+                                <p:cTn id="5" presetID="1" presetClass="entr" presetSubtype="0" fill="hold" nodeType="clickEffect">
+                                  <p:stCondLst>
+                                    <p:cond delay="0"/>
+                                  </p:stCondLst>
+                                  <p:childTnLst>
+                                    <p:set>
+                                      <p:cBhvr>
+                                        <p:cTn id="6" dur="1" fill="hold">
+                                          <p:stCondLst>
+                                            <p:cond delay="0"/>
+                                          </p:stCondLst>
+                                        </p:cTn>
+                                        <p:tgtEl>
+                                          <p:spTgt spid="24">
+                                            <p:txEl>
+                                              <p:pRg st="1" end="1"/>
+                                            </p:txEl>
+                                          </p:spTgt>
+                                        </p:tgtEl>
+                                        <p:attrNameLst>
+                                          <p:attrName>style.visibility</p:attrName>
+                                        </p:attrNameLst>
+                                      </p:cBhvr>
+                                      <p:to>
+                                        <p:strVal val="visible"/>
+                                      </p:to>
+                                    </p:set>
+                                  </p:childTnLst>
+                                </p:cTn>
+                              </p:par>
+                            </p:childTnLst>
+                          </p:cTn>
+                        </p:par>
+                      </p:childTnLst>
+                    </p:cTn>
+                  </p:par>
+                  <p:par>
+                    <p:cTn id="7" fill="hold">
+                      <p:stCondLst>
+                        <p:cond delay="indefinite"/>
+                      </p:stCondLst>
+                      <p:childTnLst>
+                        <p:par>
+                          <p:cTn id="8" fill="hold">
+                            <p:stCondLst>
+                              <p:cond delay="0"/>
+                            </p:stCondLst>
+                            <p:childTnLst>
+                              <p:par>
+                                <p:cTn id="9" presetID="1" presetClass="entr" presetSubtype="0" fill="hold" nodeType="clickEffect">
+                                  <p:stCondLst>
+                                    <p:cond delay="0"/>
+                                  </p:stCondLst>
+                                  <p:childTnLst>
+                                    <p:set>
+                                      <p:cBhvr>
+                                        <p:cTn id="10" dur="1" fill="hold">
+                                          <p:stCondLst>
+                                            <p:cond delay="0"/>
+                                          </p:stCondLst>
+                                        </p:cTn>
+                                        <p:tgtEl>
+                                          <p:spTgt spid="24">
+                                            <p:txEl>
+                                              <p:pRg st="2" end="2"/>
+                                            </p:txEl>
+                                          </p:spTgt>
+                                        </p:tgtEl>
+                                        <p:attrNameLst>
+                                          <p:attrName>style.visibility</p:attrName>
+                                        </p:attrNameLst>
+                                      </p:cBhvr>
+                                      <p:to>
+                                        <p:strVal val="visible"/>
+                                      </p:to>
+                                    </p:set>
+                                  </p:childTnLst>
+                                </p:cTn>
+                              </p:par>
+                            </p:childTnLst>
+                          </p:cTn>
+                        </p:par>
+                      </p:childTnLst>
+                    </p:cTn>
+                  </p:par>
+                </p:childTnLst>
+              </p:cTn>
+              <p:prevCondLst>
+                <p:cond evt="onPrev" delay="0">
+                  <p:tgtEl>
+                    <p:sldTgt/>
+                  </p:tgtEl>
+                </p:cond>
+              </p:prevCondLst>
+              <p:nextCondLst>
+                <p:cond evt="onNext" delay="0">
+                  <p:tgtEl>
+                    <p:sldTgt/>
+                  </p:tgtEl>
+                </p:cond>
+              </p:nextCondLst>
+            </p:seq>
+          </p:childTnLst>
+        </p:cTn>
+      </p:par>
+    </p:tnLst>
+  </p:timing>
 </p:sld>
 </file>
 
 <file path=ppt/slides/slide3.xml><?xml version="1.0" encoding="utf-8"?>
+<p:sld xmlns:a="http://schemas.openxmlformats.org/drawingml/2006/main" xmlns:r="http://schemas.openxmlformats.org/officeDocument/2006/relationships" xmlns:p="http://schemas.openxmlformats.org/presentationml/2006/main">
+  <p:cSld>
+    <p:spTree>
+      <p:nvGrpSpPr>
+        <p:cNvPr id="1" name="">
+          <a:extLst>
+            <a:ext uri="{FF2B5EF4-FFF2-40B4-BE49-F238E27FC236}">
+              <a16:creationId xmlns:a16="http://schemas.microsoft.com/office/drawing/2014/main" id="{B973FE56-37F2-CD47-6D12-D6CFF02A3D0C}"/>
+            </a:ext>
+          </a:extLst>
+        </p:cNvPr>
+        <p:cNvGrpSpPr/>
+        <p:nvPr/>
+      </p:nvGrpSpPr>
+      <p:grpSpPr>
+        <a:xfrm>
+          <a:off x="0" y="0"/>
+          <a:ext cx="0" cy="0"/>
+          <a:chOff x="0" y="0"/>
+          <a:chExt cx="0" cy="0"/>
+        </a:xfrm>
+      </p:grpSpPr>
+      <p:sp>
+        <p:nvSpPr>
+          <p:cNvPr id="2" name="Título 1">
+            <a:extLst>
+              <a:ext uri="{FF2B5EF4-FFF2-40B4-BE49-F238E27FC236}">
+                <a16:creationId xmlns:a16="http://schemas.microsoft.com/office/drawing/2014/main" id="{4AE97C3F-34AD-C004-F261-0A27894DF66E}"/>
+              </a:ext>
+            </a:extLst>
+          </p:cNvPr>
+          <p:cNvSpPr>
+            <a:spLocks noGrp="1"/>
+          </p:cNvSpPr>
+          <p:nvPr>
+            <p:ph type="title"/>
+          </p:nvPr>
+        </p:nvSpPr>
+        <p:spPr>
+          <a:xfrm>
+            <a:off x="993912" y="224459"/>
+            <a:ext cx="9601200" cy="622852"/>
+          </a:xfrm>
+        </p:spPr>
+        <p:txBody>
+          <a:bodyPr>
+            <a:normAutofit fontScale="90000"/>
+          </a:bodyPr>
+          <a:lstStyle/>
+          <a:p>
+            <a:r>
+              <a:rPr lang="es-ES" dirty="0"/>
+              <a:t>Docker Container Security</a:t>
+            </a:r>
+          </a:p>
+        </p:txBody>
+      </p:sp>
+      <p:sp>
+        <p:nvSpPr>
+          <p:cNvPr id="24" name="CuadroTexto 23">
+            <a:extLst>
+              <a:ext uri="{FF2B5EF4-FFF2-40B4-BE49-F238E27FC236}">
+                <a16:creationId xmlns:a16="http://schemas.microsoft.com/office/drawing/2014/main" id="{975172CC-5D26-A79B-979E-792D698B10DC}"/>
+              </a:ext>
+            </a:extLst>
+          </p:cNvPr>
+          <p:cNvSpPr txBox="1"/>
+          <p:nvPr/>
+        </p:nvSpPr>
+        <p:spPr>
+          <a:xfrm>
+            <a:off x="993912" y="937260"/>
+            <a:ext cx="10565628" cy="1815882"/>
+          </a:xfrm>
+          <a:prstGeom prst="rect">
+            <a:avLst/>
+          </a:prstGeom>
+          <a:noFill/>
+        </p:spPr>
+        <p:txBody>
+          <a:bodyPr wrap="square" rtlCol="0">
+            <a:spAutoFit/>
+          </a:bodyPr>
+          <a:lstStyle/>
+          <a:p>
+            <a:r>
+              <a:rPr lang="es-ES" sz="2800" dirty="0"/>
+              <a:t>Buenas prácticas:</a:t>
+            </a:r>
+          </a:p>
+          <a:p>
+            <a:endParaRPr lang="es-ES" sz="2800" dirty="0"/>
+          </a:p>
+          <a:p>
+            <a:pPr marL="514350" indent="-514350">
+              <a:buFont typeface="+mj-lt"/>
+              <a:buAutoNum type="arabicPeriod"/>
+            </a:pPr>
+            <a:r>
+              <a:rPr lang="es-ES" sz="2800" dirty="0"/>
+              <a:t>No exponer puertos innecesarios</a:t>
+            </a:r>
+          </a:p>
+          <a:p>
+            <a:pPr marL="514350" indent="-514350">
+              <a:buFont typeface="+mj-lt"/>
+              <a:buAutoNum type="arabicPeriod"/>
+            </a:pPr>
+            <a:r>
+              <a:rPr lang="es-ES" sz="2800" dirty="0"/>
+              <a:t>No iniciar contenedores en modo privilegiado</a:t>
+            </a:r>
+          </a:p>
+        </p:txBody>
+      </p:sp>
+    </p:spTree>
+    <p:extLst>
+      <p:ext uri="{BB962C8B-B14F-4D97-AF65-F5344CB8AC3E}">
+        <p14:creationId xmlns:p14="http://schemas.microsoft.com/office/powerpoint/2010/main" val="3312727515"/>
+      </p:ext>
+    </p:extLst>
+  </p:cSld>
+  <p:clrMapOvr>
+    <a:masterClrMapping/>
+  </p:clrMapOvr>
+  <p:timing>
+    <p:tnLst>
+      <p:par>
+        <p:cTn id="1" dur="indefinite" restart="never" nodeType="tmRoot">
+          <p:childTnLst>
+            <p:seq concurrent="1" nextAc="seek">
+              <p:cTn id="2" dur="indefinite" nodeType="mainSeq">
+                <p:childTnLst>
+                  <p:par>
+                    <p:cTn id="3" fill="hold">
+                      <p:stCondLst>
+                        <p:cond delay="indefinite"/>
+                      </p:stCondLst>
+                      <p:childTnLst>
+                        <p:par>
+                          <p:cTn id="4" fill="hold">
+                            <p:stCondLst>
+                              <p:cond delay="0"/>
+                            </p:stCondLst>
+                            <p:childTnLst>
+                              <p:par>
+                                <p:cTn id="5" presetID="1" presetClass="entr" presetSubtype="0" fill="hold" nodeType="clickEffect">
+                                  <p:stCondLst>
+                                    <p:cond delay="0"/>
+                                  </p:stCondLst>
+                                  <p:childTnLst>
+                                    <p:set>
+                                      <p:cBhvr>
+                                        <p:cTn id="6" dur="1" fill="hold">
+                                          <p:stCondLst>
+                                            <p:cond delay="0"/>
+                                          </p:stCondLst>
+                                        </p:cTn>
+                                        <p:tgtEl>
+                                          <p:spTgt spid="24">
+                                            <p:txEl>
+                                              <p:pRg st="2" end="2"/>
+                                            </p:txEl>
+                                          </p:spTgt>
+                                        </p:tgtEl>
+                                        <p:attrNameLst>
+                                          <p:attrName>style.visibility</p:attrName>
+                                        </p:attrNameLst>
+                                      </p:cBhvr>
+                                      <p:to>
+                                        <p:strVal val="visible"/>
+                                      </p:to>
+                                    </p:set>
+                                  </p:childTnLst>
+                                </p:cTn>
+                              </p:par>
+                            </p:childTnLst>
+                          </p:cTn>
+                        </p:par>
+                      </p:childTnLst>
+                    </p:cTn>
+                  </p:par>
+                  <p:par>
+                    <p:cTn id="7" fill="hold">
+                      <p:stCondLst>
+                        <p:cond delay="indefinite"/>
+                      </p:stCondLst>
+                      <p:childTnLst>
+                        <p:par>
+                          <p:cTn id="8" fill="hold">
+                            <p:stCondLst>
+                              <p:cond delay="0"/>
+                            </p:stCondLst>
+                            <p:childTnLst>
+                              <p:par>
+                                <p:cTn id="9" presetID="1" presetClass="entr" presetSubtype="0" fill="hold" nodeType="clickEffect">
+                                  <p:stCondLst>
+                                    <p:cond delay="0"/>
+                                  </p:stCondLst>
+                                  <p:childTnLst>
+                                    <p:set>
+                                      <p:cBhvr>
+                                        <p:cTn id="10" dur="1" fill="hold">
+                                          <p:stCondLst>
+                                            <p:cond delay="0"/>
+                                          </p:stCondLst>
+                                        </p:cTn>
+                                        <p:tgtEl>
+                                          <p:spTgt spid="24">
+                                            <p:txEl>
+                                              <p:pRg st="3" end="3"/>
+                                            </p:txEl>
+                                          </p:spTgt>
+                                        </p:tgtEl>
+                                        <p:attrNameLst>
+                                          <p:attrName>style.visibility</p:attrName>
+                                        </p:attrNameLst>
+                                      </p:cBhvr>
+                                      <p:to>
+                                        <p:strVal val="visible"/>
+                                      </p:to>
+                                    </p:set>
+                                  </p:childTnLst>
+                                </p:cTn>
+                              </p:par>
+                            </p:childTnLst>
+                          </p:cTn>
+                        </p:par>
+                      </p:childTnLst>
+                    </p:cTn>
+                  </p:par>
+                </p:childTnLst>
+              </p:cTn>
+              <p:prevCondLst>
+                <p:cond evt="onPrev" delay="0">
+                  <p:tgtEl>
+                    <p:sldTgt/>
+                  </p:tgtEl>
+                </p:cond>
+              </p:prevCondLst>
+              <p:nextCondLst>
+                <p:cond evt="onNext" delay="0">
+                  <p:tgtEl>
+                    <p:sldTgt/>
+                  </p:tgtEl>
+                </p:cond>
+              </p:nextCondLst>
+            </p:seq>
+          </p:childTnLst>
+        </p:cTn>
+      </p:par>
+    </p:tnLst>
+  </p:timing>
+</p:sld>
+</file>
+
+<file path=ppt/slides/slide4.xml><?xml version="1.0" encoding="utf-8"?>
 <p:sld xmlns:a="http://schemas.openxmlformats.org/drawingml/2006/main" xmlns:r="http://schemas.openxmlformats.org/officeDocument/2006/relationships" xmlns:p="http://schemas.openxmlformats.org/presentationml/2006/main">
   <p:cSld>
     <p:spTree>
@@ -14085,7 +14553,7 @@
         <p:spPr>
           <a:xfrm>
             <a:off x="993912" y="1120676"/>
-            <a:ext cx="10394524" cy="4832092"/>
+            <a:ext cx="10394524" cy="5262979"/>
           </a:xfrm>
           <a:prstGeom prst="rect">
             <a:avLst/>
@@ -14104,7 +14572,17 @@
             </a:pPr>
             <a:r>
               <a:rPr lang="es-ES" sz="2800" dirty="0"/>
-              <a:t>El conjunto predeterminado de capacidades Linux es demasiado permisivo para producción: cambiar </a:t>
+              <a:t>Por defecto, permitimos:</a:t>
+            </a:r>
+          </a:p>
+          <a:p>
+            <a:pPr marL="914400" lvl="1" indent="-457200">
+              <a:buFont typeface="Arial" panose="020B0604020202020204" pitchFamily="34" charset="0"/>
+              <a:buChar char="•"/>
+            </a:pPr>
+            <a:r>
+              <a:rPr lang="es-ES" sz="2800" dirty="0"/>
+              <a:t>cambiar </a:t>
             </a:r>
             <a:r>
               <a:rPr lang="es-ES" sz="2800" dirty="0" err="1"/>
@@ -14120,7 +14598,27 @@
             </a:r>
             <a:r>
               <a:rPr lang="es-ES" sz="2800" dirty="0"/>
-              <a:t> de archivos, matar procesos y eludir comprobaciones de permisos de lectura, escritura y ejecución de archivos. </a:t>
+              <a:t> de archivos</a:t>
+            </a:r>
+          </a:p>
+          <a:p>
+            <a:pPr marL="914400" lvl="1" indent="-457200">
+              <a:buFont typeface="Arial" panose="020B0604020202020204" pitchFamily="34" charset="0"/>
+              <a:buChar char="•"/>
+            </a:pPr>
+            <a:r>
+              <a:rPr lang="es-ES" sz="2800" dirty="0"/>
+              <a:t>matar procesos</a:t>
+            </a:r>
+          </a:p>
+          <a:p>
+            <a:pPr marL="914400" lvl="1" indent="-457200">
+              <a:buFont typeface="Arial" panose="020B0604020202020204" pitchFamily="34" charset="0"/>
+              <a:buChar char="•"/>
+            </a:pPr>
+            <a:r>
+              <a:rPr lang="es-ES" sz="2800" dirty="0"/>
+              <a:t>eludir comprobaciones de permisos de lectura, escritura y ejecución de archivos. </a:t>
             </a:r>
           </a:p>
           <a:p>
@@ -14212,10 +14710,120 @@
   <p:clrMapOvr>
     <a:masterClrMapping/>
   </p:clrMapOvr>
+  <p:timing>
+    <p:tnLst>
+      <p:par>
+        <p:cTn id="1" dur="indefinite" restart="never" nodeType="tmRoot">
+          <p:childTnLst>
+            <p:seq concurrent="1" nextAc="seek">
+              <p:cTn id="2" dur="indefinite" nodeType="mainSeq">
+                <p:childTnLst>
+                  <p:par>
+                    <p:cTn id="3" fill="hold">
+                      <p:stCondLst>
+                        <p:cond delay="indefinite"/>
+                      </p:stCondLst>
+                      <p:childTnLst>
+                        <p:par>
+                          <p:cTn id="4" fill="hold">
+                            <p:stCondLst>
+                              <p:cond delay="0"/>
+                            </p:stCondLst>
+                            <p:childTnLst>
+                              <p:par>
+                                <p:cTn id="5" presetID="1" presetClass="entr" presetSubtype="0" fill="hold" nodeType="clickEffect">
+                                  <p:stCondLst>
+                                    <p:cond delay="0"/>
+                                  </p:stCondLst>
+                                  <p:childTnLst>
+                                    <p:set>
+                                      <p:cBhvr>
+                                        <p:cTn id="6" dur="1" fill="hold">
+                                          <p:stCondLst>
+                                            <p:cond delay="0"/>
+                                          </p:stCondLst>
+                                        </p:cTn>
+                                        <p:tgtEl>
+                                          <p:spTgt spid="3">
+                                            <p:txEl>
+                                              <p:pRg st="7" end="7"/>
+                                            </p:txEl>
+                                          </p:spTgt>
+                                        </p:tgtEl>
+                                        <p:attrNameLst>
+                                          <p:attrName>style.visibility</p:attrName>
+                                        </p:attrNameLst>
+                                      </p:cBhvr>
+                                      <p:to>
+                                        <p:strVal val="visible"/>
+                                      </p:to>
+                                    </p:set>
+                                  </p:childTnLst>
+                                </p:cTn>
+                              </p:par>
+                              <p:par>
+                                <p:cTn id="7" presetID="1" presetClass="entr" presetSubtype="0" fill="hold" nodeType="withEffect">
+                                  <p:stCondLst>
+                                    <p:cond delay="0"/>
+                                  </p:stCondLst>
+                                  <p:childTnLst>
+                                    <p:set>
+                                      <p:cBhvr>
+                                        <p:cTn id="8" dur="1" fill="hold">
+                                          <p:stCondLst>
+                                            <p:cond delay="0"/>
+                                          </p:stCondLst>
+                                        </p:cTn>
+                                        <p:tgtEl>
+                                          <p:spTgt spid="3">
+                                            <p:txEl>
+                                              <p:pRg st="8" end="8"/>
+                                            </p:txEl>
+                                          </p:spTgt>
+                                        </p:tgtEl>
+                                        <p:attrNameLst>
+                                          <p:attrName>style.visibility</p:attrName>
+                                        </p:attrNameLst>
+                                      </p:cBhvr>
+                                      <p:to>
+                                        <p:strVal val="visible"/>
+                                      </p:to>
+                                    </p:set>
+                                  </p:childTnLst>
+                                </p:cTn>
+                              </p:par>
+                            </p:childTnLst>
+                          </p:cTn>
+                        </p:par>
+                      </p:childTnLst>
+                    </p:cTn>
+                  </p:par>
+                </p:childTnLst>
+              </p:cTn>
+              <p:prevCondLst>
+                <p:cond evt="onPrev" delay="0">
+                  <p:tgtEl>
+                    <p:sldTgt/>
+                  </p:tgtEl>
+                </p:cond>
+              </p:prevCondLst>
+              <p:nextCondLst>
+                <p:cond evt="onNext" delay="0">
+                  <p:tgtEl>
+                    <p:sldTgt/>
+                  </p:tgtEl>
+                </p:cond>
+              </p:nextCondLst>
+            </p:seq>
+          </p:childTnLst>
+        </p:cTn>
+      </p:par>
+    </p:tnLst>
+  </p:timing>
 </p:sld>
 </file>
 
-<file path=ppt/slides/slide4.xml><?xml version="1.0" encoding="utf-8"?>
+<file path=ppt/slides/slide5.xml><?xml version="1.0" encoding="utf-8"?>
 <p:sld xmlns:a="http://schemas.openxmlformats.org/drawingml/2006/main" xmlns:r="http://schemas.openxmlformats.org/officeDocument/2006/relationships" xmlns:p="http://schemas.openxmlformats.org/presentationml/2006/main">
   <p:cSld>
     <p:spTree>
@@ -14293,7 +14901,7 @@
         <p:spPr>
           <a:xfrm>
             <a:off x="993912" y="1120676"/>
-            <a:ext cx="10394524" cy="4832092"/>
+            <a:ext cx="10394524" cy="5262979"/>
           </a:xfrm>
           <a:prstGeom prst="rect">
             <a:avLst/>
@@ -14312,7 +14920,21 @@
             </a:pPr>
             <a:r>
               <a:rPr lang="es-ES" sz="2800" dirty="0"/>
-              <a:t>Docker no aplica automáticamente ninguna restricción de recursos a tus contenedores. Los procesos en contenedores pueden usar CPU y memoria ilimitadas, lo que podría afectar a otras aplicaciones en su host.</a:t>
+              <a:t>Docker no aplica automáticamente ninguna restricción de recursos a tus contenedores. </a:t>
+            </a:r>
+            <a:br>
+              <a:rPr lang="es-ES" sz="2800" dirty="0"/>
+            </a:br>
+            <a:endParaRPr lang="es-ES" sz="2800" dirty="0"/>
+          </a:p>
+          <a:p>
+            <a:pPr marL="457200" indent="-457200">
+              <a:buFont typeface="Arial" panose="020B0604020202020204" pitchFamily="34" charset="0"/>
+              <a:buChar char="•"/>
+            </a:pPr>
+            <a:r>
+              <a:rPr lang="es-ES" sz="2800" dirty="0"/>
+              <a:t>Los procesos en contenedores pueden usar CPU y memoria ilimitadas, lo que podría afectar a otras aplicaciones en su host.</a:t>
             </a:r>
           </a:p>
           <a:p>
@@ -14380,10 +15002,218 @@
   <p:clrMapOvr>
     <a:masterClrMapping/>
   </p:clrMapOvr>
+  <p:timing>
+    <p:tnLst>
+      <p:par>
+        <p:cTn id="1" dur="indefinite" restart="never" nodeType="tmRoot">
+          <p:childTnLst>
+            <p:seq concurrent="1" nextAc="seek">
+              <p:cTn id="2" dur="indefinite" nodeType="mainSeq">
+                <p:childTnLst>
+                  <p:par>
+                    <p:cTn id="3" fill="hold">
+                      <p:stCondLst>
+                        <p:cond delay="indefinite"/>
+                      </p:stCondLst>
+                      <p:childTnLst>
+                        <p:par>
+                          <p:cTn id="4" fill="hold">
+                            <p:stCondLst>
+                              <p:cond delay="0"/>
+                            </p:stCondLst>
+                            <p:childTnLst>
+                              <p:par>
+                                <p:cTn id="5" presetID="1" presetClass="entr" presetSubtype="0" fill="hold" nodeType="clickEffect">
+                                  <p:stCondLst>
+                                    <p:cond delay="0"/>
+                                  </p:stCondLst>
+                                  <p:childTnLst>
+                                    <p:set>
+                                      <p:cBhvr>
+                                        <p:cTn id="6" dur="1" fill="hold">
+                                          <p:stCondLst>
+                                            <p:cond delay="0"/>
+                                          </p:stCondLst>
+                                        </p:cTn>
+                                        <p:tgtEl>
+                                          <p:spTgt spid="3">
+                                            <p:txEl>
+                                              <p:pRg st="1" end="1"/>
+                                            </p:txEl>
+                                          </p:spTgt>
+                                        </p:tgtEl>
+                                        <p:attrNameLst>
+                                          <p:attrName>style.visibility</p:attrName>
+                                        </p:attrNameLst>
+                                      </p:cBhvr>
+                                      <p:to>
+                                        <p:strVal val="visible"/>
+                                      </p:to>
+                                    </p:set>
+                                  </p:childTnLst>
+                                </p:cTn>
+                              </p:par>
+                            </p:childTnLst>
+                          </p:cTn>
+                        </p:par>
+                      </p:childTnLst>
+                    </p:cTn>
+                  </p:par>
+                  <p:par>
+                    <p:cTn id="7" fill="hold">
+                      <p:stCondLst>
+                        <p:cond delay="indefinite"/>
+                      </p:stCondLst>
+                      <p:childTnLst>
+                        <p:par>
+                          <p:cTn id="8" fill="hold">
+                            <p:stCondLst>
+                              <p:cond delay="0"/>
+                            </p:stCondLst>
+                            <p:childTnLst>
+                              <p:par>
+                                <p:cTn id="9" presetID="1" presetClass="entr" presetSubtype="0" fill="hold" nodeType="clickEffect">
+                                  <p:stCondLst>
+                                    <p:cond delay="0"/>
+                                  </p:stCondLst>
+                                  <p:childTnLst>
+                                    <p:set>
+                                      <p:cBhvr>
+                                        <p:cTn id="10" dur="1" fill="hold">
+                                          <p:stCondLst>
+                                            <p:cond delay="0"/>
+                                          </p:stCondLst>
+                                        </p:cTn>
+                                        <p:tgtEl>
+                                          <p:spTgt spid="3">
+                                            <p:txEl>
+                                              <p:pRg st="3" end="3"/>
+                                            </p:txEl>
+                                          </p:spTgt>
+                                        </p:tgtEl>
+                                        <p:attrNameLst>
+                                          <p:attrName>style.visibility</p:attrName>
+                                        </p:attrNameLst>
+                                      </p:cBhvr>
+                                      <p:to>
+                                        <p:strVal val="visible"/>
+                                      </p:to>
+                                    </p:set>
+                                  </p:childTnLst>
+                                </p:cTn>
+                              </p:par>
+                            </p:childTnLst>
+                          </p:cTn>
+                        </p:par>
+                      </p:childTnLst>
+                    </p:cTn>
+                  </p:par>
+                  <p:par>
+                    <p:cTn id="11" fill="hold">
+                      <p:stCondLst>
+                        <p:cond delay="indefinite"/>
+                      </p:stCondLst>
+                      <p:childTnLst>
+                        <p:par>
+                          <p:cTn id="12" fill="hold">
+                            <p:stCondLst>
+                              <p:cond delay="0"/>
+                            </p:stCondLst>
+                            <p:childTnLst>
+                              <p:par>
+                                <p:cTn id="13" presetID="1" presetClass="entr" presetSubtype="0" fill="hold" nodeType="clickEffect">
+                                  <p:stCondLst>
+                                    <p:cond delay="0"/>
+                                  </p:stCondLst>
+                                  <p:childTnLst>
+                                    <p:set>
+                                      <p:cBhvr>
+                                        <p:cTn id="14" dur="1" fill="hold">
+                                          <p:stCondLst>
+                                            <p:cond delay="0"/>
+                                          </p:stCondLst>
+                                        </p:cTn>
+                                        <p:tgtEl>
+                                          <p:spTgt spid="3">
+                                            <p:txEl>
+                                              <p:pRg st="5" end="5"/>
+                                            </p:txEl>
+                                          </p:spTgt>
+                                        </p:tgtEl>
+                                        <p:attrNameLst>
+                                          <p:attrName>style.visibility</p:attrName>
+                                        </p:attrNameLst>
+                                      </p:cBhvr>
+                                      <p:to>
+                                        <p:strVal val="visible"/>
+                                      </p:to>
+                                    </p:set>
+                                  </p:childTnLst>
+                                </p:cTn>
+                              </p:par>
+                              <p:par>
+                                <p:cTn id="15" presetID="1" presetClass="entr" presetSubtype="0" fill="hold" nodeType="withEffect">
+                                  <p:stCondLst>
+                                    <p:cond delay="0"/>
+                                  </p:stCondLst>
+                                  <p:childTnLst>
+                                    <p:set>
+                                      <p:cBhvr>
+                                        <p:cTn id="16" dur="1" fill="hold">
+                                          <p:stCondLst>
+                                            <p:cond delay="0"/>
+                                          </p:stCondLst>
+                                        </p:cTn>
+                                        <p:tgtEl>
+                                          <p:spTgt spid="3">
+                                            <p:txEl>
+                                              <p:pRg st="6" end="6"/>
+                                            </p:txEl>
+                                          </p:spTgt>
+                                        </p:tgtEl>
+                                        <p:attrNameLst>
+                                          <p:attrName>style.visibility</p:attrName>
+                                        </p:attrNameLst>
+                                      </p:cBhvr>
+                                      <p:to>
+                                        <p:strVal val="visible"/>
+                                      </p:to>
+                                    </p:set>
+                                  </p:childTnLst>
+                                </p:cTn>
+                              </p:par>
+                            </p:childTnLst>
+                          </p:cTn>
+                        </p:par>
+                      </p:childTnLst>
+                    </p:cTn>
+                  </p:par>
+                </p:childTnLst>
+              </p:cTn>
+              <p:prevCondLst>
+                <p:cond evt="onPrev" delay="0">
+                  <p:tgtEl>
+                    <p:sldTgt/>
+                  </p:tgtEl>
+                </p:cond>
+              </p:prevCondLst>
+              <p:nextCondLst>
+                <p:cond evt="onNext" delay="0">
+                  <p:tgtEl>
+                    <p:sldTgt/>
+                  </p:tgtEl>
+                </p:cond>
+              </p:nextCondLst>
+            </p:seq>
+          </p:childTnLst>
+        </p:cTn>
+      </p:par>
+    </p:tnLst>
+  </p:timing>
 </p:sld>
 </file>
 
-<file path=ppt/slides/slide5.xml><?xml version="1.0" encoding="utf-8"?>
+<file path=ppt/slides/slide6.xml><?xml version="1.0" encoding="utf-8"?>
 <p:sld xmlns:a="http://schemas.openxmlformats.org/drawingml/2006/main" xmlns:r="http://schemas.openxmlformats.org/officeDocument/2006/relationships" xmlns:p="http://schemas.openxmlformats.org/presentationml/2006/main">
   <p:cSld>
     <p:spTree>
@@ -14465,7 +15295,7 @@
         <p:spPr>
           <a:xfrm>
             <a:off x="993912" y="1120676"/>
-            <a:ext cx="10596406" cy="2677656"/>
+            <a:ext cx="10596406" cy="3108543"/>
           </a:xfrm>
           <a:prstGeom prst="rect">
             <a:avLst/>
@@ -14492,7 +15322,24 @@
             </a:r>
             <a:r>
               <a:rPr lang="es-ES" sz="2800" dirty="0"/>
-              <a:t>. Usa otro usuario para lanzar los procesos y minimizar el riesgo.</a:t>
+              <a:t>.</a:t>
+            </a:r>
+          </a:p>
+          <a:p>
+            <a:pPr marL="457200" indent="-457200">
+              <a:buFont typeface="Arial" panose="020B0604020202020204" pitchFamily="34" charset="0"/>
+              <a:buChar char="•"/>
+            </a:pPr>
+            <a:endParaRPr lang="es-ES" sz="2800" dirty="0"/>
+          </a:p>
+          <a:p>
+            <a:pPr marL="457200" indent="-457200">
+              <a:buFont typeface="Arial" panose="020B0604020202020204" pitchFamily="34" charset="0"/>
+              <a:buChar char="•"/>
+            </a:pPr>
+            <a:r>
+              <a:rPr lang="es-ES" sz="2800" dirty="0"/>
+              <a:t>Usa otro usuario para lanzar los procesos y minimizar el riesgo.</a:t>
             </a:r>
           </a:p>
           <a:p>
@@ -14530,10 +15377,169 @@
   <p:clrMapOvr>
     <a:masterClrMapping/>
   </p:clrMapOvr>
+  <p:timing>
+    <p:tnLst>
+      <p:par>
+        <p:cTn id="1" dur="indefinite" restart="never" nodeType="tmRoot">
+          <p:childTnLst>
+            <p:seq concurrent="1" nextAc="seek">
+              <p:cTn id="2" dur="indefinite" nodeType="mainSeq">
+                <p:childTnLst>
+                  <p:par>
+                    <p:cTn id="3" fill="hold">
+                      <p:stCondLst>
+                        <p:cond delay="indefinite"/>
+                      </p:stCondLst>
+                      <p:childTnLst>
+                        <p:par>
+                          <p:cTn id="4" fill="hold">
+                            <p:stCondLst>
+                              <p:cond delay="0"/>
+                            </p:stCondLst>
+                            <p:childTnLst>
+                              <p:par>
+                                <p:cTn id="5" presetID="1" presetClass="entr" presetSubtype="0" fill="hold" nodeType="clickEffect">
+                                  <p:stCondLst>
+                                    <p:cond delay="0"/>
+                                  </p:stCondLst>
+                                  <p:childTnLst>
+                                    <p:set>
+                                      <p:cBhvr>
+                                        <p:cTn id="6" dur="1" fill="hold">
+                                          <p:stCondLst>
+                                            <p:cond delay="0"/>
+                                          </p:stCondLst>
+                                        </p:cTn>
+                                        <p:tgtEl>
+                                          <p:spTgt spid="3">
+                                            <p:txEl>
+                                              <p:pRg st="2" end="2"/>
+                                            </p:txEl>
+                                          </p:spTgt>
+                                        </p:tgtEl>
+                                        <p:attrNameLst>
+                                          <p:attrName>style.visibility</p:attrName>
+                                        </p:attrNameLst>
+                                      </p:cBhvr>
+                                      <p:to>
+                                        <p:strVal val="visible"/>
+                                      </p:to>
+                                    </p:set>
+                                  </p:childTnLst>
+                                </p:cTn>
+                              </p:par>
+                            </p:childTnLst>
+                          </p:cTn>
+                        </p:par>
+                      </p:childTnLst>
+                    </p:cTn>
+                  </p:par>
+                  <p:par>
+                    <p:cTn id="7" fill="hold">
+                      <p:stCondLst>
+                        <p:cond delay="indefinite"/>
+                      </p:stCondLst>
+                      <p:childTnLst>
+                        <p:par>
+                          <p:cTn id="8" fill="hold">
+                            <p:stCondLst>
+                              <p:cond delay="0"/>
+                            </p:stCondLst>
+                            <p:childTnLst>
+                              <p:par>
+                                <p:cTn id="9" presetID="1" presetClass="entr" presetSubtype="0" fill="hold" nodeType="clickEffect">
+                                  <p:stCondLst>
+                                    <p:cond delay="0"/>
+                                  </p:stCondLst>
+                                  <p:childTnLst>
+                                    <p:set>
+                                      <p:cBhvr>
+                                        <p:cTn id="10" dur="1" fill="hold">
+                                          <p:stCondLst>
+                                            <p:cond delay="0"/>
+                                          </p:stCondLst>
+                                        </p:cTn>
+                                        <p:tgtEl>
+                                          <p:spTgt spid="3">
+                                            <p:txEl>
+                                              <p:pRg st="4" end="4"/>
+                                            </p:txEl>
+                                          </p:spTgt>
+                                        </p:tgtEl>
+                                        <p:attrNameLst>
+                                          <p:attrName>style.visibility</p:attrName>
+                                        </p:attrNameLst>
+                                      </p:cBhvr>
+                                      <p:to>
+                                        <p:strVal val="visible"/>
+                                      </p:to>
+                                    </p:set>
+                                  </p:childTnLst>
+                                </p:cTn>
+                              </p:par>
+                              <p:par>
+                                <p:cTn id="11" presetID="1" presetClass="entr" presetSubtype="0" fill="hold" nodeType="withEffect">
+                                  <p:stCondLst>
+                                    <p:cond delay="0"/>
+                                  </p:stCondLst>
+                                  <p:childTnLst>
+                                    <p:set>
+                                      <p:cBhvr>
+                                        <p:cTn id="12" dur="1" fill="hold">
+                                          <p:stCondLst>
+                                            <p:cond delay="0"/>
+                                          </p:stCondLst>
+                                        </p:cTn>
+                                        <p:tgtEl>
+                                          <p:spTgt spid="3">
+                                            <p:txEl>
+                                              <p:pRg st="6" end="6"/>
+                                            </p:txEl>
+                                          </p:spTgt>
+                                        </p:tgtEl>
+                                        <p:attrNameLst>
+                                          <p:attrName>style.visibility</p:attrName>
+                                        </p:attrNameLst>
+                                      </p:cBhvr>
+                                      <p:to>
+                                        <p:strVal val="visible"/>
+                                      </p:to>
+                                    </p:set>
+                                  </p:childTnLst>
+                                </p:cTn>
+                              </p:par>
+                            </p:childTnLst>
+                          </p:cTn>
+                        </p:par>
+                      </p:childTnLst>
+                    </p:cTn>
+                  </p:par>
+                </p:childTnLst>
+              </p:cTn>
+              <p:prevCondLst>
+                <p:cond evt="onPrev" delay="0">
+                  <p:tgtEl>
+                    <p:sldTgt/>
+                  </p:tgtEl>
+                </p:cond>
+              </p:prevCondLst>
+              <p:nextCondLst>
+                <p:cond evt="onNext" delay="0">
+                  <p:tgtEl>
+                    <p:sldTgt/>
+                  </p:tgtEl>
+                </p:cond>
+              </p:nextCondLst>
+            </p:seq>
+          </p:childTnLst>
+        </p:cTn>
+      </p:par>
+    </p:tnLst>
+  </p:timing>
 </p:sld>
 </file>
 
-<file path=ppt/slides/slide6.xml><?xml version="1.0" encoding="utf-8"?>
+<file path=ppt/slides/slide7.xml><?xml version="1.0" encoding="utf-8"?>
 <p:sld xmlns:a="http://schemas.openxmlformats.org/drawingml/2006/main" xmlns:r="http://schemas.openxmlformats.org/officeDocument/2006/relationships" xmlns:p="http://schemas.openxmlformats.org/presentationml/2006/main">
   <p:cSld>
     <p:spTree>
@@ -14611,7 +15617,7 @@
         <p:spPr>
           <a:xfrm>
             <a:off x="993912" y="1120676"/>
-            <a:ext cx="10964540" cy="5262979"/>
+            <a:ext cx="10964540" cy="5693866"/>
           </a:xfrm>
           <a:prstGeom prst="rect">
             <a:avLst/>
@@ -14646,7 +15652,17 @@
             </a:r>
             <a:r>
               <a:rPr lang="es-ES" sz="2800" dirty="0"/>
-              <a:t>. Esto es un riesgo de seguridad porque el proceso en contenedor puede usar </a:t>
+              <a:t>. </a:t>
+            </a:r>
+            <a:br>
+              <a:rPr lang="es-ES" sz="2800" dirty="0"/>
+            </a:br>
+            <a:br>
+              <a:rPr lang="es-ES" sz="2800" dirty="0"/>
+            </a:br>
+            <a:r>
+              <a:rPr lang="es-ES" sz="2800" dirty="0"/>
+              <a:t>Esto es un riesgo de seguridad porque el proceso en contenedor puede usar </a:t>
             </a:r>
             <a:r>
               <a:rPr lang="es-ES" sz="2800" dirty="0" err="1"/>
@@ -14749,10 +15765,169 @@
   <p:clrMapOvr>
     <a:masterClrMapping/>
   </p:clrMapOvr>
+  <p:timing>
+    <p:tnLst>
+      <p:par>
+        <p:cTn id="1" dur="indefinite" restart="never" nodeType="tmRoot">
+          <p:childTnLst>
+            <p:seq concurrent="1" nextAc="seek">
+              <p:cTn id="2" dur="indefinite" nodeType="mainSeq">
+                <p:childTnLst>
+                  <p:par>
+                    <p:cTn id="3" fill="hold">
+                      <p:stCondLst>
+                        <p:cond delay="indefinite"/>
+                      </p:stCondLst>
+                      <p:childTnLst>
+                        <p:par>
+                          <p:cTn id="4" fill="hold">
+                            <p:stCondLst>
+                              <p:cond delay="0"/>
+                            </p:stCondLst>
+                            <p:childTnLst>
+                              <p:par>
+                                <p:cTn id="5" presetID="1" presetClass="entr" presetSubtype="0" fill="hold" nodeType="clickEffect">
+                                  <p:stCondLst>
+                                    <p:cond delay="0"/>
+                                  </p:stCondLst>
+                                  <p:childTnLst>
+                                    <p:set>
+                                      <p:cBhvr>
+                                        <p:cTn id="6" dur="1" fill="hold">
+                                          <p:stCondLst>
+                                            <p:cond delay="0"/>
+                                          </p:stCondLst>
+                                        </p:cTn>
+                                        <p:tgtEl>
+                                          <p:spTgt spid="3">
+                                            <p:txEl>
+                                              <p:pRg st="2" end="2"/>
+                                            </p:txEl>
+                                          </p:spTgt>
+                                        </p:tgtEl>
+                                        <p:attrNameLst>
+                                          <p:attrName>style.visibility</p:attrName>
+                                        </p:attrNameLst>
+                                      </p:cBhvr>
+                                      <p:to>
+                                        <p:strVal val="visible"/>
+                                      </p:to>
+                                    </p:set>
+                                  </p:childTnLst>
+                                </p:cTn>
+                              </p:par>
+                            </p:childTnLst>
+                          </p:cTn>
+                        </p:par>
+                      </p:childTnLst>
+                    </p:cTn>
+                  </p:par>
+                  <p:par>
+                    <p:cTn id="7" fill="hold">
+                      <p:stCondLst>
+                        <p:cond delay="indefinite"/>
+                      </p:stCondLst>
+                      <p:childTnLst>
+                        <p:par>
+                          <p:cTn id="8" fill="hold">
+                            <p:stCondLst>
+                              <p:cond delay="0"/>
+                            </p:stCondLst>
+                            <p:childTnLst>
+                              <p:par>
+                                <p:cTn id="9" presetID="1" presetClass="entr" presetSubtype="0" fill="hold" nodeType="clickEffect">
+                                  <p:stCondLst>
+                                    <p:cond delay="0"/>
+                                  </p:stCondLst>
+                                  <p:childTnLst>
+                                    <p:set>
+                                      <p:cBhvr>
+                                        <p:cTn id="10" dur="1" fill="hold">
+                                          <p:stCondLst>
+                                            <p:cond delay="0"/>
+                                          </p:stCondLst>
+                                        </p:cTn>
+                                        <p:tgtEl>
+                                          <p:spTgt spid="3">
+                                            <p:txEl>
+                                              <p:pRg st="4" end="4"/>
+                                            </p:txEl>
+                                          </p:spTgt>
+                                        </p:tgtEl>
+                                        <p:attrNameLst>
+                                          <p:attrName>style.visibility</p:attrName>
+                                        </p:attrNameLst>
+                                      </p:cBhvr>
+                                      <p:to>
+                                        <p:strVal val="visible"/>
+                                      </p:to>
+                                    </p:set>
+                                  </p:childTnLst>
+                                </p:cTn>
+                              </p:par>
+                              <p:par>
+                                <p:cTn id="11" presetID="1" presetClass="entr" presetSubtype="0" fill="hold" nodeType="withEffect">
+                                  <p:stCondLst>
+                                    <p:cond delay="0"/>
+                                  </p:stCondLst>
+                                  <p:childTnLst>
+                                    <p:set>
+                                      <p:cBhvr>
+                                        <p:cTn id="12" dur="1" fill="hold">
+                                          <p:stCondLst>
+                                            <p:cond delay="0"/>
+                                          </p:stCondLst>
+                                        </p:cTn>
+                                        <p:tgtEl>
+                                          <p:spTgt spid="3">
+                                            <p:txEl>
+                                              <p:pRg st="5" end="5"/>
+                                            </p:txEl>
+                                          </p:spTgt>
+                                        </p:tgtEl>
+                                        <p:attrNameLst>
+                                          <p:attrName>style.visibility</p:attrName>
+                                        </p:attrNameLst>
+                                      </p:cBhvr>
+                                      <p:to>
+                                        <p:strVal val="visible"/>
+                                      </p:to>
+                                    </p:set>
+                                  </p:childTnLst>
+                                </p:cTn>
+                              </p:par>
+                            </p:childTnLst>
+                          </p:cTn>
+                        </p:par>
+                      </p:childTnLst>
+                    </p:cTn>
+                  </p:par>
+                </p:childTnLst>
+              </p:cTn>
+              <p:prevCondLst>
+                <p:cond evt="onPrev" delay="0">
+                  <p:tgtEl>
+                    <p:sldTgt/>
+                  </p:tgtEl>
+                </p:cond>
+              </p:prevCondLst>
+              <p:nextCondLst>
+                <p:cond evt="onNext" delay="0">
+                  <p:tgtEl>
+                    <p:sldTgt/>
+                  </p:tgtEl>
+                </p:cond>
+              </p:nextCondLst>
+            </p:seq>
+          </p:childTnLst>
+        </p:cTn>
+      </p:par>
+    </p:tnLst>
+  </p:timing>
 </p:sld>
 </file>
 
-<file path=ppt/slides/slide7.xml><?xml version="1.0" encoding="utf-8"?>
+<file path=ppt/slides/slide8.xml><?xml version="1.0" encoding="utf-8"?>
 <p:sld xmlns:a="http://schemas.openxmlformats.org/drawingml/2006/main" xmlns:r="http://schemas.openxmlformats.org/officeDocument/2006/relationships" xmlns:p="http://schemas.openxmlformats.org/presentationml/2006/main">
   <p:cSld>
     <p:spTree>
@@ -14825,7 +16000,7 @@
         <p:spPr>
           <a:xfrm>
             <a:off x="993912" y="1120676"/>
-            <a:ext cx="10964540" cy="4401205"/>
+            <a:ext cx="10964540" cy="3539430"/>
           </a:xfrm>
           <a:prstGeom prst="rect">
             <a:avLst/>
@@ -14844,8 +16019,12 @@
             </a:pPr>
             <a:r>
               <a:rPr lang="es-ES" sz="2800" dirty="0"/>
-              <a:t>Si el contenedor no necesita escribir en el sistema de ficheros, activa el modo de sólo lectura para evitar modificaciones en el sistema de archivos, excepto en las ubicaciones de montaje de volumen designadas. </a:t>
+              <a:t>Si el contenedor no necesita escribir en el sistema de ficheros, activa el modo de sólo lectura para evitar modificaciones en el sistema de archivos. </a:t>
             </a:r>
+            <a:br>
+              <a:rPr lang="es-ES" sz="2800" dirty="0"/>
+            </a:br>
+            <a:endParaRPr lang="es-ES" sz="2800" dirty="0"/>
           </a:p>
           <a:p>
             <a:pPr marL="457200" indent="-457200">
@@ -14854,7 +16033,7 @@
             </a:pPr>
             <a:r>
               <a:rPr lang="es-ES" sz="2800" dirty="0"/>
-              <a:t>Esto bloqueará a un intruso de hacer cambios maliciosos al contenido dentro del contenedor, como por ejemplo reemplazando binarios o archivos de configuración.</a:t>
+              <a:t>Esto impediría remplazar binarios o archivos de configuración.</a:t>
             </a:r>
           </a:p>
           <a:p>
@@ -14901,10 +16080,169 @@
   <p:clrMapOvr>
     <a:masterClrMapping/>
   </p:clrMapOvr>
+  <p:timing>
+    <p:tnLst>
+      <p:par>
+        <p:cTn id="1" dur="indefinite" restart="never" nodeType="tmRoot">
+          <p:childTnLst>
+            <p:seq concurrent="1" nextAc="seek">
+              <p:cTn id="2" dur="indefinite" nodeType="mainSeq">
+                <p:childTnLst>
+                  <p:par>
+                    <p:cTn id="3" fill="hold">
+                      <p:stCondLst>
+                        <p:cond delay="indefinite"/>
+                      </p:stCondLst>
+                      <p:childTnLst>
+                        <p:par>
+                          <p:cTn id="4" fill="hold">
+                            <p:stCondLst>
+                              <p:cond delay="0"/>
+                            </p:stCondLst>
+                            <p:childTnLst>
+                              <p:par>
+                                <p:cTn id="5" presetID="1" presetClass="entr" presetSubtype="0" fill="hold" nodeType="clickEffect">
+                                  <p:stCondLst>
+                                    <p:cond delay="0"/>
+                                  </p:stCondLst>
+                                  <p:childTnLst>
+                                    <p:set>
+                                      <p:cBhvr>
+                                        <p:cTn id="6" dur="1" fill="hold">
+                                          <p:stCondLst>
+                                            <p:cond delay="0"/>
+                                          </p:stCondLst>
+                                        </p:cTn>
+                                        <p:tgtEl>
+                                          <p:spTgt spid="3">
+                                            <p:txEl>
+                                              <p:pRg st="1" end="1"/>
+                                            </p:txEl>
+                                          </p:spTgt>
+                                        </p:tgtEl>
+                                        <p:attrNameLst>
+                                          <p:attrName>style.visibility</p:attrName>
+                                        </p:attrNameLst>
+                                      </p:cBhvr>
+                                      <p:to>
+                                        <p:strVal val="visible"/>
+                                      </p:to>
+                                    </p:set>
+                                  </p:childTnLst>
+                                </p:cTn>
+                              </p:par>
+                            </p:childTnLst>
+                          </p:cTn>
+                        </p:par>
+                      </p:childTnLst>
+                    </p:cTn>
+                  </p:par>
+                  <p:par>
+                    <p:cTn id="7" fill="hold">
+                      <p:stCondLst>
+                        <p:cond delay="indefinite"/>
+                      </p:stCondLst>
+                      <p:childTnLst>
+                        <p:par>
+                          <p:cTn id="8" fill="hold">
+                            <p:stCondLst>
+                              <p:cond delay="0"/>
+                            </p:stCondLst>
+                            <p:childTnLst>
+                              <p:par>
+                                <p:cTn id="9" presetID="1" presetClass="entr" presetSubtype="0" fill="hold" nodeType="clickEffect">
+                                  <p:stCondLst>
+                                    <p:cond delay="0"/>
+                                  </p:stCondLst>
+                                  <p:childTnLst>
+                                    <p:set>
+                                      <p:cBhvr>
+                                        <p:cTn id="10" dur="1" fill="hold">
+                                          <p:stCondLst>
+                                            <p:cond delay="0"/>
+                                          </p:stCondLst>
+                                        </p:cTn>
+                                        <p:tgtEl>
+                                          <p:spTgt spid="3">
+                                            <p:txEl>
+                                              <p:pRg st="3" end="3"/>
+                                            </p:txEl>
+                                          </p:spTgt>
+                                        </p:tgtEl>
+                                        <p:attrNameLst>
+                                          <p:attrName>style.visibility</p:attrName>
+                                        </p:attrNameLst>
+                                      </p:cBhvr>
+                                      <p:to>
+                                        <p:strVal val="visible"/>
+                                      </p:to>
+                                    </p:set>
+                                  </p:childTnLst>
+                                </p:cTn>
+                              </p:par>
+                              <p:par>
+                                <p:cTn id="11" presetID="1" presetClass="entr" presetSubtype="0" fill="hold" nodeType="withEffect">
+                                  <p:stCondLst>
+                                    <p:cond delay="0"/>
+                                  </p:stCondLst>
+                                  <p:childTnLst>
+                                    <p:set>
+                                      <p:cBhvr>
+                                        <p:cTn id="12" dur="1" fill="hold">
+                                          <p:stCondLst>
+                                            <p:cond delay="0"/>
+                                          </p:stCondLst>
+                                        </p:cTn>
+                                        <p:tgtEl>
+                                          <p:spTgt spid="3">
+                                            <p:txEl>
+                                              <p:pRg st="4" end="4"/>
+                                            </p:txEl>
+                                          </p:spTgt>
+                                        </p:tgtEl>
+                                        <p:attrNameLst>
+                                          <p:attrName>style.visibility</p:attrName>
+                                        </p:attrNameLst>
+                                      </p:cBhvr>
+                                      <p:to>
+                                        <p:strVal val="visible"/>
+                                      </p:to>
+                                    </p:set>
+                                  </p:childTnLst>
+                                </p:cTn>
+                              </p:par>
+                            </p:childTnLst>
+                          </p:cTn>
+                        </p:par>
+                      </p:childTnLst>
+                    </p:cTn>
+                  </p:par>
+                </p:childTnLst>
+              </p:cTn>
+              <p:prevCondLst>
+                <p:cond evt="onPrev" delay="0">
+                  <p:tgtEl>
+                    <p:sldTgt/>
+                  </p:tgtEl>
+                </p:cond>
+              </p:prevCondLst>
+              <p:nextCondLst>
+                <p:cond evt="onNext" delay="0">
+                  <p:tgtEl>
+                    <p:sldTgt/>
+                  </p:tgtEl>
+                </p:cond>
+              </p:nextCondLst>
+            </p:seq>
+          </p:childTnLst>
+        </p:cTn>
+      </p:par>
+    </p:tnLst>
+  </p:timing>
 </p:sld>
 </file>
 
-<file path=ppt/slides/slide8.xml><?xml version="1.0" encoding="utf-8"?>
+<file path=ppt/slides/slide9.xml><?xml version="1.0" encoding="utf-8"?>
 <p:sld xmlns:a="http://schemas.openxmlformats.org/drawingml/2006/main" xmlns:r="http://schemas.openxmlformats.org/officeDocument/2006/relationships" xmlns:p="http://schemas.openxmlformats.org/presentationml/2006/main">
   <p:cSld>
     <p:spTree>
@@ -14981,7 +16319,7 @@
         <p:spPr>
           <a:xfrm>
             <a:off x="993912" y="1120676"/>
-            <a:ext cx="10964540" cy="2246769"/>
+            <a:ext cx="10964540" cy="1815882"/>
           </a:xfrm>
           <a:prstGeom prst="rect">
             <a:avLst/>
@@ -15000,17 +16338,25 @@
             </a:pPr>
             <a:r>
               <a:rPr lang="es-ES" sz="2800" dirty="0"/>
-              <a:t>Los datos confidenciales requeridos por sus contenedores, como claves API, tokens y certificados, deben almacenarse en una solución de gestión de secretos dedicada. </a:t>
+              <a:t>Los </a:t>
             </a:r>
-          </a:p>
-          <a:p>
-            <a:pPr marL="457200" indent="-457200">
-              <a:buFont typeface="Arial" panose="020B0604020202020204" pitchFamily="34" charset="0"/>
-              <a:buChar char="•"/>
-            </a:pPr>
+            <a:r>
+              <a:rPr lang="es-ES" sz="2800" dirty="0" err="1"/>
+              <a:t>passwords</a:t>
+            </a:r>
             <a:r>
               <a:rPr lang="es-ES" sz="2800" dirty="0"/>
-              <a:t>Esto reduce el riesgo de exposición accidental que surge cuando se utilizan variables de entorno o archivos de configuración normales.</a:t>
+              <a:t> como deben almacenarse en una solución de gestión de secretos dedicada. </a:t>
+            </a:r>
+            <a:br>
+              <a:rPr lang="es-ES" sz="2800" dirty="0"/>
+            </a:br>
+            <a:br>
+              <a:rPr lang="es-ES" sz="2800" dirty="0"/>
+            </a:br>
+            <a:r>
+              <a:rPr lang="es-ES" sz="2800" dirty="0"/>
+              <a:t>Esto reduce el riesgo de exposición accidental.</a:t>
             </a:r>
           </a:p>
         </p:txBody>
